--- a/Slides/Lesson 1.1 The Function Design Recipe.pptx
+++ b/Slides/Lesson 1.1 The Function Design Recipe.pptx
@@ -12,7 +12,7 @@
   </p:handoutMasterIdLst>
   <p:sldIdLst>
     <p:sldId id="257" r:id="rId2"/>
-    <p:sldId id="300" r:id="rId3"/>
+    <p:sldId id="301" r:id="rId3"/>
     <p:sldId id="291" r:id="rId4"/>
     <p:sldId id="286" r:id="rId5"/>
     <p:sldId id="298" r:id="rId6"/>
@@ -41,38 +41,38 @@
   <p:notesSz cx="6858000" cy="9296400"/>
   <p:embeddedFontLst>
     <p:embeddedFont>
-      <p:font typeface="Consolas" panose="020B0609020204030204" pitchFamily="49" charset="0"/>
+      <p:font typeface="CMMI10" panose="020B0604020202020204"/>
       <p:regular r:id="rId29"/>
-      <p:bold r:id="rId30"/>
-      <p:italic r:id="rId31"/>
-      <p:boldItalic r:id="rId32"/>
     </p:embeddedFont>
     <p:embeddedFont>
-      <p:font typeface="CMMI10" panose="020B0604020202020204"/>
-      <p:regular r:id="rId33"/>
+      <p:font typeface="Arial Unicode MS" panose="020B0604020202020204" pitchFamily="34" charset="-128"/>
+      <p:regular r:id="rId30"/>
     </p:embeddedFont>
     <p:embeddedFont>
-      <p:font typeface="cmmi12" panose="020B0604020202020204"/>
-      <p:regular r:id="rId34"/>
+      <p:font typeface="Calibri" panose="020F0502020204030204" pitchFamily="34" charset="0"/>
+      <p:regular r:id="rId31"/>
+      <p:bold r:id="rId32"/>
+      <p:italic r:id="rId33"/>
+      <p:boldItalic r:id="rId34"/>
     </p:embeddedFont>
     <p:embeddedFont>
       <p:font typeface="Cambria Math" panose="02040503050406030204" pitchFamily="18" charset="0"/>
       <p:regular r:id="rId35"/>
     </p:embeddedFont>
     <p:embeddedFont>
-      <p:font typeface="CMSY10ORIG" panose="020B0604020202020204"/>
+      <p:font typeface="CMR10" panose="020B0604020202020204"/>
       <p:regular r:id="rId36"/>
     </p:embeddedFont>
     <p:embeddedFont>
-      <p:font typeface="CMR10" panose="020B0604020202020204"/>
+      <p:font typeface="CMSY10ORIG" panose="020B0604020202020204"/>
       <p:regular r:id="rId37"/>
     </p:embeddedFont>
     <p:embeddedFont>
-      <p:font typeface="Arial Unicode MS" panose="020B0604020202020204" pitchFamily="34" charset="-128"/>
+      <p:font typeface="cmmi12" panose="020B0604020202020204"/>
       <p:regular r:id="rId38"/>
     </p:embeddedFont>
     <p:embeddedFont>
-      <p:font typeface="Calibri" panose="020F0502020204030204" pitchFamily="34" charset="0"/>
+      <p:font typeface="Consolas" panose="020B0609020204030204" pitchFamily="49" charset="0"/>
       <p:regular r:id="rId39"/>
       <p:bold r:id="rId40"/>
       <p:italic r:id="rId41"/>
@@ -285,7 +285,7 @@
             <a:fld id="{F428509D-A83E-4130-9123-C9B4F5E9EE37}" type="datetimeFigureOut">
               <a:rPr lang="en-US" smtClean="0"/>
               <a:pPr/>
-              <a:t>8/2/2015</a:t>
+              <a:t>8/13/2015</a:t>
             </a:fld>
             <a:endParaRPr lang="en-US"/>
           </a:p>
@@ -452,7 +452,7 @@
             <a:fld id="{ACC16E80-119B-43B5-8043-B652C91D44CD}" type="datetimeFigureOut">
               <a:rPr lang="en-US" smtClean="0"/>
               <a:pPr/>
-              <a:t>8/2/2015</a:t>
+              <a:t>8/13/2015</a:t>
             </a:fld>
             <a:endParaRPr lang="en-US"/>
           </a:p>
@@ -2314,7 +2314,7 @@
             <a:fld id="{995A3EAA-2ADF-4730-8F37-D322F0FCA6F7}" type="datetime1">
               <a:rPr lang="en-US" smtClean="0"/>
               <a:pPr/>
-              <a:t>8/2/2015</a:t>
+              <a:t>8/13/2015</a:t>
             </a:fld>
             <a:endParaRPr lang="en-US"/>
           </a:p>
@@ -2571,7 +2571,7 @@
             <a:fld id="{9A46249C-EA92-4608-8FCA-65260396BA27}" type="datetime1">
               <a:rPr lang="en-US" smtClean="0"/>
               <a:pPr/>
-              <a:t>8/2/2015</a:t>
+              <a:t>8/13/2015</a:t>
             </a:fld>
             <a:endParaRPr lang="en-US"/>
           </a:p>
@@ -2738,7 +2738,7 @@
             <a:fld id="{E98573EB-F81F-45A8-8502-B7F241F6310C}" type="datetime1">
               <a:rPr lang="en-US" smtClean="0"/>
               <a:pPr/>
-              <a:t>8/2/2015</a:t>
+              <a:t>8/13/2015</a:t>
             </a:fld>
             <a:endParaRPr lang="en-US"/>
           </a:p>
@@ -2915,7 +2915,7 @@
             <a:fld id="{D3B68F27-4D23-4B43-9126-090EEA2632D9}" type="datetime1">
               <a:rPr lang="en-US" smtClean="0"/>
               <a:pPr/>
-              <a:t>8/2/2015</a:t>
+              <a:t>8/13/2015</a:t>
             </a:fld>
             <a:endParaRPr lang="en-US"/>
           </a:p>
@@ -3088,7 +3088,7 @@
             <a:fld id="{AF79D0BF-EDA9-4C0D-B5C1-D01FE3C9392D}" type="datetime1">
               <a:rPr lang="en-US" smtClean="0"/>
               <a:pPr/>
-              <a:t>8/2/2015</a:t>
+              <a:t>8/13/2015</a:t>
             </a:fld>
             <a:endParaRPr lang="en-US"/>
           </a:p>
@@ -3270,7 +3270,7 @@
             <a:fld id="{AF79D0BF-EDA9-4C0D-B5C1-D01FE3C9392D}" type="datetime1">
               <a:rPr lang="en-US" smtClean="0"/>
               <a:pPr/>
-              <a:t>8/2/2015</a:t>
+              <a:t>8/13/2015</a:t>
             </a:fld>
             <a:endParaRPr lang="en-US"/>
           </a:p>
@@ -3525,7 +3525,7 @@
             <a:fld id="{D69015D0-49B0-4059-80BB-AF092C6CC282}" type="datetime1">
               <a:rPr lang="en-US" smtClean="0"/>
               <a:pPr/>
-              <a:t>8/2/2015</a:t>
+              <a:t>8/13/2015</a:t>
             </a:fld>
             <a:endParaRPr lang="en-US"/>
           </a:p>
@@ -3810,7 +3810,7 @@
             <a:fld id="{6CFAE174-28EF-4C23-BFDE-B69E139D8EE0}" type="datetime1">
               <a:rPr lang="en-US" smtClean="0"/>
               <a:pPr/>
-              <a:t>8/2/2015</a:t>
+              <a:t>8/13/2015</a:t>
             </a:fld>
             <a:endParaRPr lang="en-US"/>
           </a:p>
@@ -4229,7 +4229,7 @@
             <a:fld id="{3C4735FC-F3F4-4930-AD2E-C703D7636E65}" type="datetime1">
               <a:rPr lang="en-US" smtClean="0"/>
               <a:pPr/>
-              <a:t>8/2/2015</a:t>
+              <a:t>8/13/2015</a:t>
             </a:fld>
             <a:endParaRPr lang="en-US"/>
           </a:p>
@@ -4344,7 +4344,7 @@
             <a:fld id="{37087D82-BB00-4296-AA4E-C167745A82DE}" type="datetime1">
               <a:rPr lang="en-US" smtClean="0"/>
               <a:pPr/>
-              <a:t>8/2/2015</a:t>
+              <a:t>8/13/2015</a:t>
             </a:fld>
             <a:endParaRPr lang="en-US"/>
           </a:p>
@@ -4436,7 +4436,7 @@
             <a:fld id="{E416393F-B669-482B-BFD6-501DDE1069A2}" type="datetime1">
               <a:rPr lang="en-US" smtClean="0"/>
               <a:pPr/>
-              <a:t>8/2/2015</a:t>
+              <a:t>8/13/2015</a:t>
             </a:fld>
             <a:endParaRPr lang="en-US"/>
           </a:p>
@@ -4710,7 +4710,7 @@
             <a:fld id="{8FFF435E-64AB-44BA-AD31-EDF4E3683DDC}" type="datetime1">
               <a:rPr lang="en-US" smtClean="0"/>
               <a:pPr/>
-              <a:t>8/2/2015</a:t>
+              <a:t>8/13/2015</a:t>
             </a:fld>
             <a:endParaRPr lang="en-US"/>
           </a:p>
@@ -4920,7 +4920,7 @@
             <a:fld id="{9FD4D3D6-E918-4CCA-AF93-9744A928CB26}" type="datetime1">
               <a:rPr lang="en-US" smtClean="0"/>
               <a:pPr/>
-              <a:t>8/2/2015</a:t>
+              <a:t>8/13/2015</a:t>
             </a:fld>
             <a:endParaRPr lang="en-US"/>
           </a:p>
@@ -6645,11 +6645,7 @@
             <a:pPr fontAlgn="t"/>
             <a:r>
               <a:rPr lang="en-US" dirty="0" smtClean="0"/>
-              <a:t>Constructor </a:t>
-            </a:r>
-            <a:r>
-              <a:rPr lang="en-US" dirty="0" smtClean="0"/>
-              <a:t>Template</a:t>
+              <a:t>Constructor Template</a:t>
             </a:r>
           </a:p>
           <a:p>
@@ -6680,7 +6676,6 @@
               <a:rPr lang="en-US" dirty="0" smtClean="0"/>
               <a:t>Interpretation</a:t>
             </a:r>
-            <a:endParaRPr lang="en-US" dirty="0" smtClean="0"/>
           </a:p>
           <a:p>
             <a:pPr lvl="1" fontAlgn="t"/>
@@ -6718,7 +6713,6 @@
               <a:rPr lang="en-US" dirty="0" smtClean="0"/>
               <a:t>Examples</a:t>
             </a:r>
-            <a:endParaRPr lang="en-US" dirty="0" smtClean="0"/>
           </a:p>
           <a:p>
             <a:pPr lvl="1" fontAlgn="t"/>
@@ -8309,15 +8303,7 @@
           <a:p>
             <a:r>
               <a:rPr lang="en-US" sz="3200" dirty="0" smtClean="0"/>
-              <a:t>Here is our </a:t>
-            </a:r>
-            <a:r>
-              <a:rPr lang="en-US" sz="3200" dirty="0" smtClean="0"/>
-              <a:t>starting </a:t>
-            </a:r>
-            <a:r>
-              <a:rPr lang="en-US" sz="3200" dirty="0" smtClean="0"/>
-              <a:t>list of strategies:</a:t>
+              <a:t>Here is our starting list of strategies:</a:t>
             </a:r>
           </a:p>
         </p:txBody>
@@ -8353,7 +8339,6 @@
               <a:rPr lang="en-US" sz="2000" dirty="0" smtClean="0"/>
               <a:t>There will be more…</a:t>
             </a:r>
-            <a:endParaRPr lang="en-US" sz="2000" dirty="0" smtClean="0"/>
           </a:p>
         </p:txBody>
       </p:sp>
@@ -8882,50 +8867,6 @@
               <a:r>
                 <a:rPr lang="en-US" dirty="0" smtClean="0"/>
                 <a:t>Data Representations</a:t>
-              </a:r>
-              <a:endParaRPr lang="en-US" dirty="0"/>
-            </a:p>
-          </p:txBody>
-        </p:sp>
-        <p:sp>
-          <p:nvSpPr>
-            <p:cNvPr id="12" name="Rounded Rectangle 11"/>
-            <p:cNvSpPr/>
-            <p:nvPr/>
-          </p:nvSpPr>
-          <p:spPr>
-            <a:xfrm>
-              <a:off x="476250" y="1757787"/>
-              <a:ext cx="1828800" cy="533400"/>
-            </a:xfrm>
-            <a:prstGeom prst="roundRect">
-              <a:avLst/>
-            </a:prstGeom>
-          </p:spPr>
-          <p:style>
-            <a:lnRef idx="2">
-              <a:schemeClr val="accent2">
-                <a:shade val="50000"/>
-              </a:schemeClr>
-            </a:lnRef>
-            <a:fillRef idx="1">
-              <a:schemeClr val="accent2"/>
-            </a:fillRef>
-            <a:effectRef idx="0">
-              <a:schemeClr val="accent2"/>
-            </a:effectRef>
-            <a:fontRef idx="minor">
-              <a:schemeClr val="lt1"/>
-            </a:fontRef>
-          </p:style>
-          <p:txBody>
-            <a:bodyPr rtlCol="0" anchor="ctr"/>
-            <a:lstStyle/>
-            <a:p>
-              <a:pPr algn="ctr"/>
-              <a:r>
-                <a:rPr lang="en-US" dirty="0" smtClean="0"/>
-                <a:t>Basics</a:t>
               </a:r>
               <a:endParaRPr lang="en-US" dirty="0"/>
             </a:p>
@@ -9131,7 +9072,6 @@
           <p:nvCxnSpPr>
             <p:cNvPr id="58" name="Straight Arrow Connector 57"/>
             <p:cNvCxnSpPr>
-              <a:stCxn id="12" idx="2"/>
               <a:endCxn id="22" idx="0"/>
             </p:cNvCxnSpPr>
             <p:nvPr/>
@@ -9294,7 +9234,7 @@
               <a:pPr algn="ctr"/>
               <a:r>
                 <a:rPr lang="en-US" dirty="0" smtClean="0"/>
-                <a:t>Function Composition</a:t>
+                <a:t>Combine simpler functions</a:t>
               </a:r>
               <a:endParaRPr lang="en-US" dirty="0"/>
             </a:p>
@@ -9342,7 +9282,7 @@
               <a:pPr algn="ctr"/>
               <a:r>
                 <a:rPr lang="en-US" dirty="0" smtClean="0"/>
-                <a:t>Structural Decomposition</a:t>
+                <a:t>Use a template</a:t>
               </a:r>
               <a:endParaRPr lang="en-US" dirty="0"/>
             </a:p>
@@ -9390,7 +9330,7 @@
               <a:pPr algn="ctr"/>
               <a:r>
                 <a:rPr lang="en-US" dirty="0" smtClean="0"/>
-                <a:t>Generalization</a:t>
+                <a:t>Divide into Cases</a:t>
               </a:r>
               <a:endParaRPr lang="en-US" dirty="0"/>
             </a:p>
@@ -9438,7 +9378,7 @@
               <a:pPr algn="ctr"/>
               <a:r>
                 <a:rPr lang="en-US" dirty="0" smtClean="0"/>
-                <a:t>General Recursion</a:t>
+                <a:t>Call a more general function</a:t>
               </a:r>
               <a:endParaRPr lang="en-US" dirty="0"/>
             </a:p>
@@ -9486,7 +9426,11 @@
               <a:pPr algn="ctr"/>
               <a:r>
                 <a:rPr lang="en-US" dirty="0" smtClean="0"/>
-                <a:t>Communication via State</a:t>
+                <a:t>Communicate </a:t>
+              </a:r>
+              <a:r>
+                <a:rPr lang="en-US" dirty="0" smtClean="0"/>
+                <a:t>via State</a:t>
               </a:r>
               <a:endParaRPr lang="en-US" dirty="0"/>
             </a:p>
@@ -9986,7 +9930,7 @@
         <p:nvCxnSpPr>
           <p:cNvPr id="113" name="Elbow Connector 112"/>
           <p:cNvCxnSpPr>
-            <a:stCxn id="28" idx="3"/>
+            <a:stCxn id="38" idx="3"/>
             <a:endCxn id="7" idx="1"/>
           </p:cNvCxnSpPr>
           <p:nvPr/>
@@ -9994,7 +9938,7 @@
         <p:spPr>
           <a:xfrm flipV="1">
             <a:off x="5486400" y="2024487"/>
-            <a:ext cx="914400" cy="2016706"/>
+            <a:ext cx="914400" cy="3025059"/>
           </a:xfrm>
           <a:prstGeom prst="bentConnector3">
             <a:avLst>
@@ -10022,38 +9966,53 @@
       </p:cxnSp>
       <p:sp>
         <p:nvSpPr>
-          <p:cNvPr id="43" name="Rounded Rectangle 42"/>
+          <p:cNvPr id="2" name="Slide Number Placeholder 1"/>
+          <p:cNvSpPr>
+            <a:spLocks noGrp="1"/>
+          </p:cNvSpPr>
+          <p:nvPr>
+            <p:ph type="sldNum" sz="quarter" idx="12"/>
+          </p:nvPr>
+        </p:nvSpPr>
+        <p:spPr/>
+        <p:txBody>
+          <a:bodyPr/>
+          <a:lstStyle/>
+          <a:p>
+            <a:fld id="{2AF3B5EA-18B6-4040-9F78-6052AF49C681}" type="slidenum">
+              <a:rPr lang="en-US" smtClean="0"/>
+              <a:t>2</a:t>
+            </a:fld>
+            <a:endParaRPr lang="en-US"/>
+          </a:p>
+        </p:txBody>
+      </p:sp>
+      <p:sp>
+        <p:nvSpPr>
+          <p:cNvPr id="40" name="Rounded Rectangle 39"/>
           <p:cNvSpPr/>
           <p:nvPr/>
         </p:nvSpPr>
         <p:spPr>
           <a:xfrm>
-            <a:off x="3657599" y="1768396"/>
-            <a:ext cx="1828800" cy="506845"/>
+            <a:off x="914400" y="1751204"/>
+            <a:ext cx="1828800" cy="533400"/>
           </a:xfrm>
           <a:prstGeom prst="roundRect">
-            <a:avLst>
-              <a:gd name="adj" fmla="val 4685"/>
-            </a:avLst>
+            <a:avLst/>
           </a:prstGeom>
-          <a:noFill/>
-          <a:ln w="38100">
-            <a:solidFill>
-              <a:srgbClr val="AC0000"/>
-            </a:solidFill>
-          </a:ln>
         </p:spPr>
         <p:style>
           <a:lnRef idx="2">
-            <a:schemeClr val="accent1">
+            <a:schemeClr val="accent2">
               <a:shade val="50000"/>
             </a:schemeClr>
           </a:lnRef>
           <a:fillRef idx="1">
-            <a:schemeClr val="accent1"/>
+            <a:schemeClr val="accent2"/>
           </a:fillRef>
           <a:effectRef idx="0">
-            <a:schemeClr val="accent1"/>
+            <a:schemeClr val="accent2"/>
           </a:effectRef>
           <a:fontRef idx="minor">
             <a:schemeClr val="lt1"/>
@@ -10064,14 +10023,18 @@
           <a:lstStyle/>
           <a:p>
             <a:pPr algn="ctr"/>
-            <a:endParaRPr lang="en-US"/>
+            <a:r>
+              <a:rPr lang="en-US" dirty="0" smtClean="0"/>
+              <a:t>Basics</a:t>
+            </a:r>
+            <a:endParaRPr lang="en-US" dirty="0"/>
           </a:p>
         </p:txBody>
       </p:sp>
     </p:spTree>
     <p:extLst>
       <p:ext uri="{BB962C8B-B14F-4D97-AF65-F5344CB8AC3E}">
-        <p14:creationId xmlns:p14="http://schemas.microsoft.com/office/powerpoint/2010/main" val="3807255734"/>
+        <p14:creationId xmlns:p14="http://schemas.microsoft.com/office/powerpoint/2010/main" val="3879247045"/>
       </p:ext>
     </p:extLst>
   </p:cSld>
@@ -10145,27 +10108,14 @@
           <a:p>
             <a:r>
               <a:rPr lang="en-US" dirty="0" smtClean="0"/>
-              <a:t>For f2c, the strategy we will use is </a:t>
-            </a:r>
+              <a:t>For f2c, the strategy we will use is “combine simpler functions”</a:t>
+            </a:r>
+          </a:p>
+          <a:p>
+            <a:pPr lvl="1"/>
             <a:r>
               <a:rPr lang="en-US" dirty="0" smtClean="0"/>
-              <a:t>“combine simpler functions”</a:t>
-            </a:r>
-            <a:endParaRPr lang="en-US" dirty="0" smtClean="0"/>
-          </a:p>
-          <a:p>
-            <a:pPr lvl="1"/>
-            <a:r>
-              <a:rPr lang="en-US" dirty="0" smtClean="0"/>
-              <a:t>this </a:t>
-            </a:r>
-            <a:r>
-              <a:rPr lang="en-US" dirty="0" smtClean="0"/>
-              <a:t>is, we'll </a:t>
-            </a:r>
-            <a:r>
-              <a:rPr lang="en-US" dirty="0" smtClean="0"/>
-              <a:t>just assemble our function from functions we already have on hand</a:t>
+              <a:t>this is, we'll just assemble our function from functions we already have on hand</a:t>
             </a:r>
             <a:endParaRPr lang="en-US" dirty="0"/>
           </a:p>
@@ -10250,8 +10200,8 @@
           </a:p>
         </p:txBody>
       </p:sp>
-      <mc:AlternateContent xmlns:mc="http://schemas.openxmlformats.org/markup-compatibility/2006">
-        <mc:Choice xmlns:a14="http://schemas.microsoft.com/office/drawing/2010/main" Requires="a14">
+      <mc:AlternateContent xmlns:mc="http://schemas.openxmlformats.org/markup-compatibility/2006" xmlns:a14="http://schemas.microsoft.com/office/drawing/2010/main">
+        <mc:Choice Requires="a14">
           <p:sp>
             <p:nvSpPr>
               <p:cNvPr id="3" name="Content Placeholder 2"/>
@@ -10274,15 +10224,7 @@
                 </a:pPr>
                 <a:r>
                   <a:rPr lang="en-US" sz="2400" dirty="0" smtClean="0"/>
-                  <a:t>To define our function, we apply some </a:t>
-                </a:r>
-                <a:r>
-                  <a:rPr lang="en-US" sz="2400" dirty="0" smtClean="0"/>
-                  <a:t>external </a:t>
-                </a:r>
-                <a:r>
-                  <a:rPr lang="en-US" sz="2400" dirty="0" smtClean="0"/>
-                  <a:t>knowledge. </a:t>
+                  <a:t>To define our function, we apply some external knowledge. </a:t>
                 </a:r>
                 <a:r>
                   <a:rPr lang="en-US" sz="2400" dirty="0"/>
@@ -10618,7 +10560,7 @@
             </p:txBody>
           </p:sp>
         </mc:Choice>
-        <mc:Fallback>
+        <mc:Fallback xmlns="">
           <p:sp>
             <p:nvSpPr>
               <p:cNvPr id="3" name="Content Placeholder 2"/>
@@ -11175,13 +11117,8 @@
           <a:p>
             <a:r>
               <a:rPr lang="en-US" dirty="0" smtClean="0"/>
-              <a:t>Review 01-1-f2c.rkt in the Examples </a:t>
-            </a:r>
-            <a:r>
-              <a:rPr lang="en-US" dirty="0" smtClean="0"/>
-              <a:t>folder.</a:t>
-            </a:r>
-            <a:endParaRPr lang="en-US" dirty="0" smtClean="0"/>
+              <a:t>Review 01-1-f2c.rkt in the Examples folder.</a:t>
+            </a:r>
           </a:p>
           <a:p>
             <a:pPr lvl="1"/>
@@ -11193,13 +11130,8 @@
           <a:p>
             <a:r>
               <a:rPr lang="en-US" dirty="0" smtClean="0"/>
-              <a:t>If you have questions about this lesson, post them on </a:t>
-            </a:r>
-            <a:r>
-              <a:rPr lang="en-US" dirty="0" smtClean="0"/>
-              <a:t>Piazza.</a:t>
-            </a:r>
-            <a:endParaRPr lang="en-US" dirty="0" smtClean="0"/>
+              <a:t>If you have questions about this lesson, post them on Piazza.</a:t>
+            </a:r>
           </a:p>
           <a:p>
             <a:r>

--- a/Slides/Lesson 1.1 The Function Design Recipe.pptx
+++ b/Slides/Lesson 1.1 The Function Design Recipe.pptx
@@ -45,38 +45,38 @@
       <p:regular r:id="rId29"/>
     </p:embeddedFont>
     <p:embeddedFont>
-      <p:font typeface="Arial Unicode MS" panose="020B0604020202020204" pitchFamily="34" charset="-128"/>
+      <p:font typeface="Calibri" panose="020F0502020204030204" pitchFamily="34" charset="0"/>
       <p:regular r:id="rId30"/>
+      <p:bold r:id="rId31"/>
+      <p:italic r:id="rId32"/>
+      <p:boldItalic r:id="rId33"/>
     </p:embeddedFont>
     <p:embeddedFont>
-      <p:font typeface="Calibri" panose="020F0502020204030204" pitchFamily="34" charset="0"/>
-      <p:regular r:id="rId31"/>
-      <p:bold r:id="rId32"/>
-      <p:italic r:id="rId33"/>
-      <p:boldItalic r:id="rId34"/>
+      <p:font typeface="cmmi12" panose="020B0604020202020204"/>
+      <p:regular r:id="rId34"/>
     </p:embeddedFont>
     <p:embeddedFont>
       <p:font typeface="Cambria Math" panose="02040503050406030204" pitchFamily="18" charset="0"/>
       <p:regular r:id="rId35"/>
     </p:embeddedFont>
     <p:embeddedFont>
-      <p:font typeface="CMR10" panose="020B0604020202020204"/>
+      <p:font typeface="CMSY10ORIG" panose="020B0604020202020204"/>
       <p:regular r:id="rId36"/>
     </p:embeddedFont>
     <p:embeddedFont>
-      <p:font typeface="CMSY10ORIG" panose="020B0604020202020204"/>
+      <p:font typeface="Consolas" panose="020B0609020204030204" pitchFamily="49" charset="0"/>
       <p:regular r:id="rId37"/>
+      <p:bold r:id="rId38"/>
+      <p:italic r:id="rId39"/>
+      <p:boldItalic r:id="rId40"/>
     </p:embeddedFont>
     <p:embeddedFont>
-      <p:font typeface="cmmi12" panose="020B0604020202020204"/>
-      <p:regular r:id="rId38"/>
+      <p:font typeface="Arial Unicode MS" panose="020B0604020202020204" charset="-128"/>
+      <p:regular r:id="rId41"/>
     </p:embeddedFont>
     <p:embeddedFont>
-      <p:font typeface="Consolas" panose="020B0609020204030204" pitchFamily="49" charset="0"/>
-      <p:regular r:id="rId39"/>
-      <p:bold r:id="rId40"/>
-      <p:italic r:id="rId41"/>
-      <p:boldItalic r:id="rId42"/>
+      <p:font typeface="CMR10" panose="020B0604020202020204"/>
+      <p:regular r:id="rId42"/>
     </p:embeddedFont>
   </p:embeddedFontLst>
   <p:custDataLst>
@@ -285,7 +285,7 @@
             <a:fld id="{F428509D-A83E-4130-9123-C9B4F5E9EE37}" type="datetimeFigureOut">
               <a:rPr lang="en-US" smtClean="0"/>
               <a:pPr/>
-              <a:t>8/13/2015</a:t>
+              <a:t>7/25/2016</a:t>
             </a:fld>
             <a:endParaRPr lang="en-US"/>
           </a:p>
@@ -452,7 +452,7 @@
             <a:fld id="{ACC16E80-119B-43B5-8043-B652C91D44CD}" type="datetimeFigureOut">
               <a:rPr lang="en-US" smtClean="0"/>
               <a:pPr/>
-              <a:t>8/13/2015</a:t>
+              <a:t>7/25/2016</a:t>
             </a:fld>
             <a:endParaRPr lang="en-US"/>
           </a:p>
@@ -518,38 +518,37 @@
           <a:p>
             <a:pPr lvl="0"/>
             <a:r>
-              <a:rPr lang="en-US" smtClean="0"/>
+              <a:rPr lang="en-US"/>
               <a:t>Click to edit Master text styles</a:t>
             </a:r>
           </a:p>
           <a:p>
             <a:pPr lvl="1"/>
             <a:r>
-              <a:rPr lang="en-US" smtClean="0"/>
+              <a:rPr lang="en-US"/>
               <a:t>Second level</a:t>
             </a:r>
           </a:p>
           <a:p>
             <a:pPr lvl="2"/>
             <a:r>
-              <a:rPr lang="en-US" smtClean="0"/>
+              <a:rPr lang="en-US"/>
               <a:t>Third level</a:t>
             </a:r>
           </a:p>
           <a:p>
             <a:pPr lvl="3"/>
             <a:r>
-              <a:rPr lang="en-US" smtClean="0"/>
+              <a:rPr lang="en-US"/>
               <a:t>Fourth level</a:t>
             </a:r>
           </a:p>
           <a:p>
             <a:pPr lvl="4"/>
             <a:r>
-              <a:rPr lang="en-US" smtClean="0"/>
+              <a:rPr lang="en-US"/>
               <a:t>Fifth level</a:t>
             </a:r>
-            <a:endParaRPr lang="en-US"/>
           </a:p>
         </p:txBody>
       </p:sp>
@@ -769,7 +768,7 @@
           </a:bodyPr>
           <a:lstStyle/>
           <a:p>
-            <a:endParaRPr lang="en-US" dirty="0" smtClean="0"/>
+            <a:endParaRPr lang="en-US" dirty="0"/>
           </a:p>
           <a:p>
             <a:endParaRPr lang="en-US" dirty="0"/>
@@ -1380,10 +1379,9 @@
           <a:lstStyle/>
           <a:p>
             <a:r>
-              <a:rPr lang="en-US" dirty="0" smtClean="0"/>
+              <a:rPr lang="en-US" dirty="0"/>
               <a:t>Here is the function design recipe.  </a:t>
             </a:r>
-            <a:endParaRPr lang="en-US" dirty="0"/>
           </a:p>
         </p:txBody>
       </p:sp>
@@ -1471,12 +1469,12 @@
           <a:lstStyle/>
           <a:p>
             <a:r>
-              <a:rPr lang="en-US" dirty="0" smtClean="0"/>
+              <a:rPr lang="en-US" dirty="0"/>
               <a:t>The first step is Information Analysis and Data Design.</a:t>
             </a:r>
           </a:p>
           <a:p>
-            <a:endParaRPr lang="en-US" dirty="0" smtClean="0"/>
+            <a:endParaRPr lang="en-US" dirty="0"/>
           </a:p>
           <a:p>
             <a:pPr marL="0" marR="0" indent="0" algn="l" defTabSz="914400" rtl="0" eaLnBrk="1" fontAlgn="auto" latinLnBrk="0" hangingPunct="1">
@@ -1497,38 +1495,38 @@
               <a:defRPr/>
             </a:pPr>
             <a:r>
-              <a:rPr lang="en-US" dirty="0" smtClean="0"/>
+              <a:rPr lang="en-US" dirty="0"/>
               <a:t>To understand</a:t>
             </a:r>
             <a:r>
-              <a:rPr lang="en-US" baseline="0" dirty="0" smtClean="0"/>
+              <a:rPr lang="en-US" baseline="0" dirty="0"/>
               <a:t> this step, we need to understand the difference between information and data.  In this course, we use the word “information” to mean information about the real world. We use the word “data” to mean the way that information is represented in my computer program.</a:t>
             </a:r>
           </a:p>
           <a:p>
-            <a:endParaRPr lang="en-US" baseline="0" dirty="0" smtClean="0"/>
-          </a:p>
-          <a:p>
-            <a:r>
-              <a:rPr lang="en-US" baseline="0" dirty="0" smtClean="0"/>
+            <a:endParaRPr lang="en-US" baseline="0" dirty="0"/>
+          </a:p>
+          <a:p>
+            <a:r>
+              <a:rPr lang="en-US" baseline="0" dirty="0"/>
               <a:t>For example, right now I am wearing a red shirt.  That’s information.  I can represent that information by a string, say “rouge”.  That’s data.  (I chose “rouge” rather than “red” because my customer is French!).</a:t>
             </a:r>
           </a:p>
           <a:p>
-            <a:endParaRPr lang="en-US" baseline="0" dirty="0" smtClean="0"/>
-          </a:p>
-          <a:p>
-            <a:r>
-              <a:rPr lang="en-US" baseline="0" dirty="0" smtClean="0"/>
+            <a:endParaRPr lang="en-US" baseline="0" dirty="0"/>
+          </a:p>
+          <a:p>
+            <a:r>
+              <a:rPr lang="en-US" baseline="0" dirty="0"/>
               <a:t>In any application, we need to decide what part of all the information in the world needs to be represented as data, and exactly how it will be represented. </a:t>
             </a:r>
           </a:p>
           <a:p>
-            <a:endParaRPr lang="en-US" baseline="0" dirty="0" smtClean="0"/>
-          </a:p>
-          <a:p>
-            <a:r>
-              <a:rPr lang="en-US" baseline="0" dirty="0" smtClean="0"/>
+            <a:endParaRPr lang="en-US" baseline="0" dirty="0"/>
+          </a:p>
+          <a:p>
+            <a:r>
+              <a:rPr lang="en-US" baseline="0" dirty="0"/>
               <a:t>And we need to document that representation so that others can understand our program (remember, programs are meant to be read by people!)</a:t>
             </a:r>
           </a:p>
@@ -1618,19 +1616,18 @@
           <a:lstStyle/>
           <a:p>
             <a:r>
-              <a:rPr lang="en-US" dirty="0" smtClean="0"/>
+              <a:rPr lang="en-US" dirty="0"/>
               <a:t>Information is represented as Data</a:t>
             </a:r>
           </a:p>
           <a:p>
-            <a:endParaRPr lang="en-US" dirty="0" smtClean="0"/>
-          </a:p>
-          <a:p>
-            <a:r>
-              <a:rPr lang="en-US" dirty="0" smtClean="0"/>
+            <a:endParaRPr lang="en-US" dirty="0"/>
+          </a:p>
+          <a:p>
+            <a:r>
+              <a:rPr lang="en-US" dirty="0"/>
               <a:t>Data is interpreted as Information</a:t>
             </a:r>
-            <a:endParaRPr lang="en-US" dirty="0"/>
           </a:p>
         </p:txBody>
       </p:sp>
@@ -1718,19 +1715,18 @@
           <a:lstStyle/>
           <a:p>
             <a:r>
-              <a:rPr lang="en-US" dirty="0" smtClean="0"/>
+              <a:rPr lang="en-US" dirty="0"/>
               <a:t>Information is represented as Data</a:t>
             </a:r>
           </a:p>
           <a:p>
-            <a:endParaRPr lang="en-US" dirty="0" smtClean="0"/>
-          </a:p>
-          <a:p>
-            <a:r>
-              <a:rPr lang="en-US" dirty="0" smtClean="0"/>
+            <a:endParaRPr lang="en-US" dirty="0"/>
+          </a:p>
+          <a:p>
+            <a:r>
+              <a:rPr lang="en-US" dirty="0"/>
               <a:t>Data is interpreted as Information</a:t>
             </a:r>
-            <a:endParaRPr lang="en-US" dirty="0"/>
           </a:p>
         </p:txBody>
       </p:sp>
@@ -1818,19 +1814,18 @@
           <a:lstStyle/>
           <a:p>
             <a:r>
-              <a:rPr lang="en-US" dirty="0" smtClean="0"/>
+              <a:rPr lang="en-US" dirty="0"/>
               <a:t>Information is represented as Data</a:t>
             </a:r>
           </a:p>
           <a:p>
-            <a:endParaRPr lang="en-US" dirty="0" smtClean="0"/>
-          </a:p>
-          <a:p>
-            <a:r>
-              <a:rPr lang="en-US" dirty="0" smtClean="0"/>
+            <a:endParaRPr lang="en-US" dirty="0"/>
+          </a:p>
+          <a:p>
+            <a:r>
+              <a:rPr lang="en-US" dirty="0"/>
               <a:t>Data is interpreted as Information</a:t>
             </a:r>
-            <a:endParaRPr lang="en-US" dirty="0"/>
           </a:p>
         </p:txBody>
       </p:sp>
@@ -2170,10 +2165,9 @@
           <a:lstStyle/>
           <a:p>
             <a:r>
-              <a:rPr lang="en-US" smtClean="0"/>
+              <a:rPr lang="en-US"/>
               <a:t>Click to edit Master title style</a:t>
             </a:r>
-            <a:endParaRPr lang="en-US"/>
           </a:p>
         </p:txBody>
       </p:sp>
@@ -2289,10 +2283,9 @@
           </a:lstStyle>
           <a:p>
             <a:r>
-              <a:rPr lang="en-US" smtClean="0"/>
+              <a:rPr lang="en-US"/>
               <a:t>Click to edit Master subtitle style</a:t>
             </a:r>
-            <a:endParaRPr lang="en-US"/>
           </a:p>
         </p:txBody>
       </p:sp>
@@ -2314,7 +2307,7 @@
             <a:fld id="{995A3EAA-2ADF-4730-8F37-D322F0FCA6F7}" type="datetime1">
               <a:rPr lang="en-US" smtClean="0"/>
               <a:pPr/>
-              <a:t>8/13/2015</a:t>
+              <a:t>7/25/2016</a:t>
             </a:fld>
             <a:endParaRPr lang="en-US"/>
           </a:p>
@@ -2368,13 +2361,6 @@
   <p:clrMapOvr>
     <a:masterClrMapping/>
   </p:clrMapOvr>
-  <p:timing>
-    <p:tnLst>
-      <p:par>
-        <p:cTn id="1" dur="indefinite" restart="never" nodeType="tmRoot"/>
-      </p:par>
-    </p:tnLst>
-  </p:timing>
 </p:sldLayout>
 </file>
 
@@ -2420,10 +2406,9 @@
           </a:lstStyle>
           <a:p>
             <a:r>
-              <a:rPr lang="en-US" smtClean="0"/>
+              <a:rPr lang="en-US"/>
               <a:t>Click to edit Master title style</a:t>
             </a:r>
-            <a:endParaRPr lang="en-US"/>
           </a:p>
         </p:txBody>
       </p:sp>
@@ -2547,7 +2532,7 @@
           <a:p>
             <a:pPr lvl="0"/>
             <a:r>
-              <a:rPr lang="en-US" smtClean="0"/>
+              <a:rPr lang="en-US"/>
               <a:t>Click to edit Master text styles</a:t>
             </a:r>
           </a:p>
@@ -2571,7 +2556,7 @@
             <a:fld id="{9A46249C-EA92-4608-8FCA-65260396BA27}" type="datetime1">
               <a:rPr lang="en-US" smtClean="0"/>
               <a:pPr/>
-              <a:t>8/13/2015</a:t>
+              <a:t>7/25/2016</a:t>
             </a:fld>
             <a:endParaRPr lang="en-US"/>
           </a:p>
@@ -2661,10 +2646,9 @@
           <a:lstStyle/>
           <a:p>
             <a:r>
-              <a:rPr lang="en-US" smtClean="0"/>
+              <a:rPr lang="en-US"/>
               <a:t>Click to edit Master title style</a:t>
             </a:r>
-            <a:endParaRPr lang="en-US"/>
           </a:p>
         </p:txBody>
       </p:sp>
@@ -2685,38 +2669,37 @@
           <a:p>
             <a:pPr lvl="0"/>
             <a:r>
-              <a:rPr lang="en-US" smtClean="0"/>
+              <a:rPr lang="en-US"/>
               <a:t>Click to edit Master text styles</a:t>
             </a:r>
           </a:p>
           <a:p>
             <a:pPr lvl="1"/>
             <a:r>
-              <a:rPr lang="en-US" smtClean="0"/>
+              <a:rPr lang="en-US"/>
               <a:t>Second level</a:t>
             </a:r>
           </a:p>
           <a:p>
             <a:pPr lvl="2"/>
             <a:r>
-              <a:rPr lang="en-US" smtClean="0"/>
+              <a:rPr lang="en-US"/>
               <a:t>Third level</a:t>
             </a:r>
           </a:p>
           <a:p>
             <a:pPr lvl="3"/>
             <a:r>
-              <a:rPr lang="en-US" smtClean="0"/>
+              <a:rPr lang="en-US"/>
               <a:t>Fourth level</a:t>
             </a:r>
           </a:p>
           <a:p>
             <a:pPr lvl="4"/>
             <a:r>
-              <a:rPr lang="en-US" smtClean="0"/>
+              <a:rPr lang="en-US"/>
               <a:t>Fifth level</a:t>
             </a:r>
-            <a:endParaRPr lang="en-US"/>
           </a:p>
         </p:txBody>
       </p:sp>
@@ -2738,7 +2721,7 @@
             <a:fld id="{E98573EB-F81F-45A8-8502-B7F241F6310C}" type="datetime1">
               <a:rPr lang="en-US" smtClean="0"/>
               <a:pPr/>
-              <a:t>8/13/2015</a:t>
+              <a:t>7/25/2016</a:t>
             </a:fld>
             <a:endParaRPr lang="en-US"/>
           </a:p>
@@ -2833,10 +2816,9 @@
           <a:lstStyle/>
           <a:p>
             <a:r>
-              <a:rPr lang="en-US" smtClean="0"/>
+              <a:rPr lang="en-US"/>
               <a:t>Click to edit Master title style</a:t>
             </a:r>
-            <a:endParaRPr lang="en-US"/>
           </a:p>
         </p:txBody>
       </p:sp>
@@ -2862,38 +2844,37 @@
           <a:p>
             <a:pPr lvl="0"/>
             <a:r>
-              <a:rPr lang="en-US" smtClean="0"/>
+              <a:rPr lang="en-US"/>
               <a:t>Click to edit Master text styles</a:t>
             </a:r>
           </a:p>
           <a:p>
             <a:pPr lvl="1"/>
             <a:r>
-              <a:rPr lang="en-US" smtClean="0"/>
+              <a:rPr lang="en-US"/>
               <a:t>Second level</a:t>
             </a:r>
           </a:p>
           <a:p>
             <a:pPr lvl="2"/>
             <a:r>
-              <a:rPr lang="en-US" smtClean="0"/>
+              <a:rPr lang="en-US"/>
               <a:t>Third level</a:t>
             </a:r>
           </a:p>
           <a:p>
             <a:pPr lvl="3"/>
             <a:r>
-              <a:rPr lang="en-US" smtClean="0"/>
+              <a:rPr lang="en-US"/>
               <a:t>Fourth level</a:t>
             </a:r>
           </a:p>
           <a:p>
             <a:pPr lvl="4"/>
             <a:r>
-              <a:rPr lang="en-US" smtClean="0"/>
+              <a:rPr lang="en-US"/>
               <a:t>Fifth level</a:t>
             </a:r>
-            <a:endParaRPr lang="en-US"/>
           </a:p>
         </p:txBody>
       </p:sp>
@@ -2915,7 +2896,7 @@
             <a:fld id="{D3B68F27-4D23-4B43-9126-090EEA2632D9}" type="datetime1">
               <a:rPr lang="en-US" smtClean="0"/>
               <a:pPr/>
-              <a:t>8/13/2015</a:t>
+              <a:t>7/25/2016</a:t>
             </a:fld>
             <a:endParaRPr lang="en-US"/>
           </a:p>
@@ -3011,10 +2992,9 @@
           <a:lstStyle/>
           <a:p>
             <a:r>
-              <a:rPr lang="en-US" smtClean="0"/>
+              <a:rPr lang="en-US"/>
               <a:t>Click to edit Master title style</a:t>
             </a:r>
-            <a:endParaRPr lang="en-US"/>
           </a:p>
         </p:txBody>
       </p:sp>
@@ -3035,38 +3015,37 @@
           <a:p>
             <a:pPr lvl="0"/>
             <a:r>
-              <a:rPr lang="en-US" smtClean="0"/>
+              <a:rPr lang="en-US"/>
               <a:t>Click to edit Master text styles</a:t>
             </a:r>
           </a:p>
           <a:p>
             <a:pPr lvl="1"/>
             <a:r>
-              <a:rPr lang="en-US" smtClean="0"/>
+              <a:rPr lang="en-US"/>
               <a:t>Second level</a:t>
             </a:r>
           </a:p>
           <a:p>
             <a:pPr lvl="2"/>
             <a:r>
-              <a:rPr lang="en-US" smtClean="0"/>
+              <a:rPr lang="en-US"/>
               <a:t>Third level</a:t>
             </a:r>
           </a:p>
           <a:p>
             <a:pPr lvl="3"/>
             <a:r>
-              <a:rPr lang="en-US" smtClean="0"/>
+              <a:rPr lang="en-US"/>
               <a:t>Fourth level</a:t>
             </a:r>
           </a:p>
           <a:p>
             <a:pPr lvl="4"/>
             <a:r>
-              <a:rPr lang="en-US" smtClean="0"/>
+              <a:rPr lang="en-US"/>
               <a:t>Fifth level</a:t>
             </a:r>
-            <a:endParaRPr lang="en-US"/>
           </a:p>
         </p:txBody>
       </p:sp>
@@ -3088,7 +3067,7 @@
             <a:fld id="{AF79D0BF-EDA9-4C0D-B5C1-D01FE3C9392D}" type="datetime1">
               <a:rPr lang="en-US" smtClean="0"/>
               <a:pPr/>
-              <a:t>8/13/2015</a:t>
+              <a:t>7/25/2016</a:t>
             </a:fld>
             <a:endParaRPr lang="en-US"/>
           </a:p>
@@ -3142,13 +3121,6 @@
   <p:clrMapOvr>
     <a:masterClrMapping/>
   </p:clrMapOvr>
-  <p:timing>
-    <p:tnLst>
-      <p:par>
-        <p:cTn id="1" dur="indefinite" restart="never" nodeType="tmRoot"/>
-      </p:par>
-    </p:tnLst>
-  </p:timing>
 </p:sldLayout>
 </file>
 
@@ -3185,10 +3157,9 @@
           <a:lstStyle/>
           <a:p>
             <a:r>
-              <a:rPr lang="en-US" smtClean="0"/>
+              <a:rPr lang="en-US"/>
               <a:t>Click to edit Master title style</a:t>
             </a:r>
-            <a:endParaRPr lang="en-US"/>
           </a:p>
         </p:txBody>
       </p:sp>
@@ -3217,38 +3188,37 @@
           <a:p>
             <a:pPr lvl="0"/>
             <a:r>
-              <a:rPr lang="en-US" dirty="0" smtClean="0"/>
+              <a:rPr lang="en-US" dirty="0"/>
               <a:t>Click to edit Master text styles</a:t>
             </a:r>
           </a:p>
           <a:p>
             <a:pPr lvl="1"/>
             <a:r>
-              <a:rPr lang="en-US" dirty="0" smtClean="0"/>
+              <a:rPr lang="en-US" dirty="0"/>
               <a:t>Second level</a:t>
             </a:r>
           </a:p>
           <a:p>
             <a:pPr lvl="2"/>
             <a:r>
-              <a:rPr lang="en-US" dirty="0" smtClean="0"/>
+              <a:rPr lang="en-US" dirty="0"/>
               <a:t>Third level</a:t>
             </a:r>
           </a:p>
           <a:p>
             <a:pPr lvl="3"/>
             <a:r>
-              <a:rPr lang="en-US" dirty="0" smtClean="0"/>
+              <a:rPr lang="en-US" dirty="0"/>
               <a:t>Fourth level</a:t>
             </a:r>
           </a:p>
           <a:p>
             <a:pPr lvl="4"/>
             <a:r>
-              <a:rPr lang="en-US" dirty="0" smtClean="0"/>
+              <a:rPr lang="en-US" dirty="0"/>
               <a:t>Fifth level</a:t>
             </a:r>
-            <a:endParaRPr lang="en-US" dirty="0"/>
           </a:p>
         </p:txBody>
       </p:sp>
@@ -3270,7 +3240,7 @@
             <a:fld id="{AF79D0BF-EDA9-4C0D-B5C1-D01FE3C9392D}" type="datetime1">
               <a:rPr lang="en-US" smtClean="0"/>
               <a:pPr/>
-              <a:t>8/13/2015</a:t>
+              <a:t>7/25/2016</a:t>
             </a:fld>
             <a:endParaRPr lang="en-US"/>
           </a:p>
@@ -3329,13 +3299,6 @@
   <p:clrMapOvr>
     <a:masterClrMapping/>
   </p:clrMapOvr>
-  <p:timing>
-    <p:tnLst>
-      <p:par>
-        <p:cTn id="1" dur="indefinite" restart="never" nodeType="tmRoot"/>
-      </p:par>
-    </p:tnLst>
-  </p:timing>
 </p:sldLayout>
 </file>
 
@@ -3381,10 +3344,9 @@
           </a:lstStyle>
           <a:p>
             <a:r>
-              <a:rPr lang="en-US" smtClean="0"/>
+              <a:rPr lang="en-US"/>
               <a:t>Click to edit Master title style</a:t>
             </a:r>
-            <a:endParaRPr lang="en-US"/>
           </a:p>
         </p:txBody>
       </p:sp>
@@ -3501,7 +3463,7 @@
           <a:p>
             <a:pPr lvl="0"/>
             <a:r>
-              <a:rPr lang="en-US" smtClean="0"/>
+              <a:rPr lang="en-US"/>
               <a:t>Click to edit Master text styles</a:t>
             </a:r>
           </a:p>
@@ -3525,7 +3487,7 @@
             <a:fld id="{D69015D0-49B0-4059-80BB-AF092C6CC282}" type="datetime1">
               <a:rPr lang="en-US" smtClean="0"/>
               <a:pPr/>
-              <a:t>8/13/2015</a:t>
+              <a:t>7/25/2016</a:t>
             </a:fld>
             <a:endParaRPr lang="en-US"/>
           </a:p>
@@ -3615,10 +3577,9 @@
           <a:lstStyle/>
           <a:p>
             <a:r>
-              <a:rPr lang="en-US" smtClean="0"/>
+              <a:rPr lang="en-US"/>
               <a:t>Click to edit Master title style</a:t>
             </a:r>
-            <a:endParaRPr lang="en-US"/>
           </a:p>
         </p:txBody>
       </p:sp>
@@ -3672,38 +3633,37 @@
           <a:p>
             <a:pPr lvl="0"/>
             <a:r>
-              <a:rPr lang="en-US" smtClean="0"/>
+              <a:rPr lang="en-US"/>
               <a:t>Click to edit Master text styles</a:t>
             </a:r>
           </a:p>
           <a:p>
             <a:pPr lvl="1"/>
             <a:r>
-              <a:rPr lang="en-US" smtClean="0"/>
+              <a:rPr lang="en-US"/>
               <a:t>Second level</a:t>
             </a:r>
           </a:p>
           <a:p>
             <a:pPr lvl="2"/>
             <a:r>
-              <a:rPr lang="en-US" smtClean="0"/>
+              <a:rPr lang="en-US"/>
               <a:t>Third level</a:t>
             </a:r>
           </a:p>
           <a:p>
             <a:pPr lvl="3"/>
             <a:r>
-              <a:rPr lang="en-US" smtClean="0"/>
+              <a:rPr lang="en-US"/>
               <a:t>Fourth level</a:t>
             </a:r>
           </a:p>
           <a:p>
             <a:pPr lvl="4"/>
             <a:r>
-              <a:rPr lang="en-US" smtClean="0"/>
+              <a:rPr lang="en-US"/>
               <a:t>Fifth level</a:t>
             </a:r>
-            <a:endParaRPr lang="en-US"/>
           </a:p>
         </p:txBody>
       </p:sp>
@@ -3757,38 +3717,37 @@
           <a:p>
             <a:pPr lvl="0"/>
             <a:r>
-              <a:rPr lang="en-US" smtClean="0"/>
+              <a:rPr lang="en-US"/>
               <a:t>Click to edit Master text styles</a:t>
             </a:r>
           </a:p>
           <a:p>
             <a:pPr lvl="1"/>
             <a:r>
-              <a:rPr lang="en-US" smtClean="0"/>
+              <a:rPr lang="en-US"/>
               <a:t>Second level</a:t>
             </a:r>
           </a:p>
           <a:p>
             <a:pPr lvl="2"/>
             <a:r>
-              <a:rPr lang="en-US" smtClean="0"/>
+              <a:rPr lang="en-US"/>
               <a:t>Third level</a:t>
             </a:r>
           </a:p>
           <a:p>
             <a:pPr lvl="3"/>
             <a:r>
-              <a:rPr lang="en-US" smtClean="0"/>
+              <a:rPr lang="en-US"/>
               <a:t>Fourth level</a:t>
             </a:r>
           </a:p>
           <a:p>
             <a:pPr lvl="4"/>
             <a:r>
-              <a:rPr lang="en-US" smtClean="0"/>
+              <a:rPr lang="en-US"/>
               <a:t>Fifth level</a:t>
             </a:r>
-            <a:endParaRPr lang="en-US"/>
           </a:p>
         </p:txBody>
       </p:sp>
@@ -3810,7 +3769,7 @@
             <a:fld id="{6CFAE174-28EF-4C23-BFDE-B69E139D8EE0}" type="datetime1">
               <a:rPr lang="en-US" smtClean="0"/>
               <a:pPr/>
-              <a:t>8/13/2015</a:t>
+              <a:t>7/25/2016</a:t>
             </a:fld>
             <a:endParaRPr lang="en-US"/>
           </a:p>
@@ -3904,10 +3863,9 @@
           </a:lstStyle>
           <a:p>
             <a:r>
-              <a:rPr lang="en-US" smtClean="0"/>
+              <a:rPr lang="en-US"/>
               <a:t>Click to edit Master title style</a:t>
             </a:r>
-            <a:endParaRPr lang="en-US"/>
           </a:p>
         </p:txBody>
       </p:sp>
@@ -3970,7 +3928,7 @@
           <a:p>
             <a:pPr lvl="0"/>
             <a:r>
-              <a:rPr lang="en-US" smtClean="0"/>
+              <a:rPr lang="en-US"/>
               <a:t>Click to edit Master text styles</a:t>
             </a:r>
           </a:p>
@@ -4026,38 +3984,37 @@
           <a:p>
             <a:pPr lvl="0"/>
             <a:r>
-              <a:rPr lang="en-US" smtClean="0"/>
+              <a:rPr lang="en-US"/>
               <a:t>Click to edit Master text styles</a:t>
             </a:r>
           </a:p>
           <a:p>
             <a:pPr lvl="1"/>
             <a:r>
-              <a:rPr lang="en-US" smtClean="0"/>
+              <a:rPr lang="en-US"/>
               <a:t>Second level</a:t>
             </a:r>
           </a:p>
           <a:p>
             <a:pPr lvl="2"/>
             <a:r>
-              <a:rPr lang="en-US" smtClean="0"/>
+              <a:rPr lang="en-US"/>
               <a:t>Third level</a:t>
             </a:r>
           </a:p>
           <a:p>
             <a:pPr lvl="3"/>
             <a:r>
-              <a:rPr lang="en-US" smtClean="0"/>
+              <a:rPr lang="en-US"/>
               <a:t>Fourth level</a:t>
             </a:r>
           </a:p>
           <a:p>
             <a:pPr lvl="4"/>
             <a:r>
-              <a:rPr lang="en-US" smtClean="0"/>
+              <a:rPr lang="en-US"/>
               <a:t>Fifth level</a:t>
             </a:r>
-            <a:endParaRPr lang="en-US"/>
           </a:p>
         </p:txBody>
       </p:sp>
@@ -4120,7 +4077,7 @@
           <a:p>
             <a:pPr lvl="0"/>
             <a:r>
-              <a:rPr lang="en-US" smtClean="0"/>
+              <a:rPr lang="en-US"/>
               <a:t>Click to edit Master text styles</a:t>
             </a:r>
           </a:p>
@@ -4176,38 +4133,37 @@
           <a:p>
             <a:pPr lvl="0"/>
             <a:r>
-              <a:rPr lang="en-US" smtClean="0"/>
+              <a:rPr lang="en-US"/>
               <a:t>Click to edit Master text styles</a:t>
             </a:r>
           </a:p>
           <a:p>
             <a:pPr lvl="1"/>
             <a:r>
-              <a:rPr lang="en-US" smtClean="0"/>
+              <a:rPr lang="en-US"/>
               <a:t>Second level</a:t>
             </a:r>
           </a:p>
           <a:p>
             <a:pPr lvl="2"/>
             <a:r>
-              <a:rPr lang="en-US" smtClean="0"/>
+              <a:rPr lang="en-US"/>
               <a:t>Third level</a:t>
             </a:r>
           </a:p>
           <a:p>
             <a:pPr lvl="3"/>
             <a:r>
-              <a:rPr lang="en-US" smtClean="0"/>
+              <a:rPr lang="en-US"/>
               <a:t>Fourth level</a:t>
             </a:r>
           </a:p>
           <a:p>
             <a:pPr lvl="4"/>
             <a:r>
-              <a:rPr lang="en-US" smtClean="0"/>
+              <a:rPr lang="en-US"/>
               <a:t>Fifth level</a:t>
             </a:r>
-            <a:endParaRPr lang="en-US"/>
           </a:p>
         </p:txBody>
       </p:sp>
@@ -4229,7 +4185,7 @@
             <a:fld id="{3C4735FC-F3F4-4930-AD2E-C703D7636E65}" type="datetime1">
               <a:rPr lang="en-US" smtClean="0"/>
               <a:pPr/>
-              <a:t>8/13/2015</a:t>
+              <a:t>7/25/2016</a:t>
             </a:fld>
             <a:endParaRPr lang="en-US"/>
           </a:p>
@@ -4319,10 +4275,9 @@
           <a:lstStyle/>
           <a:p>
             <a:r>
-              <a:rPr lang="en-US" smtClean="0"/>
+              <a:rPr lang="en-US"/>
               <a:t>Click to edit Master title style</a:t>
             </a:r>
-            <a:endParaRPr lang="en-US"/>
           </a:p>
         </p:txBody>
       </p:sp>
@@ -4344,7 +4299,7 @@
             <a:fld id="{37087D82-BB00-4296-AA4E-C167745A82DE}" type="datetime1">
               <a:rPr lang="en-US" smtClean="0"/>
               <a:pPr/>
-              <a:t>8/13/2015</a:t>
+              <a:t>7/25/2016</a:t>
             </a:fld>
             <a:endParaRPr lang="en-US"/>
           </a:p>
@@ -4436,7 +4391,7 @@
             <a:fld id="{E416393F-B669-482B-BFD6-501DDE1069A2}" type="datetime1">
               <a:rPr lang="en-US" smtClean="0"/>
               <a:pPr/>
-              <a:t>8/13/2015</a:t>
+              <a:t>7/25/2016</a:t>
             </a:fld>
             <a:endParaRPr lang="en-US"/>
           </a:p>
@@ -4535,10 +4490,9 @@
           </a:lstStyle>
           <a:p>
             <a:r>
-              <a:rPr lang="en-US" smtClean="0"/>
+              <a:rPr lang="en-US"/>
               <a:t>Click to edit Master title style</a:t>
             </a:r>
-            <a:endParaRPr lang="en-US"/>
           </a:p>
         </p:txBody>
       </p:sp>
@@ -4592,38 +4546,37 @@
           <a:p>
             <a:pPr lvl="0"/>
             <a:r>
-              <a:rPr lang="en-US" smtClean="0"/>
+              <a:rPr lang="en-US"/>
               <a:t>Click to edit Master text styles</a:t>
             </a:r>
           </a:p>
           <a:p>
             <a:pPr lvl="1"/>
             <a:r>
-              <a:rPr lang="en-US" smtClean="0"/>
+              <a:rPr lang="en-US"/>
               <a:t>Second level</a:t>
             </a:r>
           </a:p>
           <a:p>
             <a:pPr lvl="2"/>
             <a:r>
-              <a:rPr lang="en-US" smtClean="0"/>
+              <a:rPr lang="en-US"/>
               <a:t>Third level</a:t>
             </a:r>
           </a:p>
           <a:p>
             <a:pPr lvl="3"/>
             <a:r>
-              <a:rPr lang="en-US" smtClean="0"/>
+              <a:rPr lang="en-US"/>
               <a:t>Fourth level</a:t>
             </a:r>
           </a:p>
           <a:p>
             <a:pPr lvl="4"/>
             <a:r>
-              <a:rPr lang="en-US" smtClean="0"/>
+              <a:rPr lang="en-US"/>
               <a:t>Fifth level</a:t>
             </a:r>
-            <a:endParaRPr lang="en-US"/>
           </a:p>
         </p:txBody>
       </p:sp>
@@ -4686,7 +4639,7 @@
           <a:p>
             <a:pPr lvl="0"/>
             <a:r>
-              <a:rPr lang="en-US" smtClean="0"/>
+              <a:rPr lang="en-US"/>
               <a:t>Click to edit Master text styles</a:t>
             </a:r>
           </a:p>
@@ -4710,7 +4663,7 @@
             <a:fld id="{8FFF435E-64AB-44BA-AD31-EDF4E3683DDC}" type="datetime1">
               <a:rPr lang="en-US" smtClean="0"/>
               <a:pPr/>
-              <a:t>8/13/2015</a:t>
+              <a:t>7/25/2016</a:t>
             </a:fld>
             <a:endParaRPr lang="en-US"/>
           </a:p>
@@ -4815,10 +4768,9 @@
           <a:lstStyle/>
           <a:p>
             <a:r>
-              <a:rPr lang="en-US" smtClean="0"/>
+              <a:rPr lang="en-US"/>
               <a:t>Click to edit Master title style</a:t>
             </a:r>
-            <a:endParaRPr lang="en-US"/>
           </a:p>
         </p:txBody>
       </p:sp>
@@ -4849,38 +4801,37 @@
           <a:p>
             <a:pPr lvl="0"/>
             <a:r>
-              <a:rPr lang="en-US" smtClean="0"/>
+              <a:rPr lang="en-US"/>
               <a:t>Click to edit Master text styles</a:t>
             </a:r>
           </a:p>
           <a:p>
             <a:pPr lvl="1"/>
             <a:r>
-              <a:rPr lang="en-US" smtClean="0"/>
+              <a:rPr lang="en-US"/>
               <a:t>Second level</a:t>
             </a:r>
           </a:p>
           <a:p>
             <a:pPr lvl="2"/>
             <a:r>
-              <a:rPr lang="en-US" smtClean="0"/>
+              <a:rPr lang="en-US"/>
               <a:t>Third level</a:t>
             </a:r>
           </a:p>
           <a:p>
             <a:pPr lvl="3"/>
             <a:r>
-              <a:rPr lang="en-US" smtClean="0"/>
+              <a:rPr lang="en-US"/>
               <a:t>Fourth level</a:t>
             </a:r>
           </a:p>
           <a:p>
             <a:pPr lvl="4"/>
             <a:r>
-              <a:rPr lang="en-US" smtClean="0"/>
+              <a:rPr lang="en-US"/>
               <a:t>Fifth level</a:t>
             </a:r>
-            <a:endParaRPr lang="en-US"/>
           </a:p>
         </p:txBody>
       </p:sp>
@@ -4920,7 +4871,7 @@
             <a:fld id="{9FD4D3D6-E918-4CCA-AF93-9744A928CB26}" type="datetime1">
               <a:rPr lang="en-US" smtClean="0"/>
               <a:pPr/>
-              <a:t>8/13/2015</a:t>
+              <a:t>7/25/2016</a:t>
             </a:fld>
             <a:endParaRPr lang="en-US"/>
           </a:p>
@@ -5022,13 +4973,6 @@
     <p:sldLayoutId id="2147483658" r:id="rId11"/>
     <p:sldLayoutId id="2147483659" r:id="rId12"/>
   </p:sldLayoutIdLst>
-  <p:timing>
-    <p:tnLst>
-      <p:par>
-        <p:cTn id="1" dur="indefinite" restart="never" nodeType="tmRoot"/>
-      </p:par>
-    </p:tnLst>
-  </p:timing>
   <p:hf hdr="0" ftr="0" dt="0"/>
   <p:txStyles>
     <p:titleStyle>
@@ -5310,50 +5254,57 @@
             <p:ph type="ctrTitle"/>
           </p:nvPr>
         </p:nvSpPr>
+        <p:spPr>
+          <a:ln w="28575">
+            <a:solidFill>
+              <a:schemeClr val="accent1"/>
+            </a:solidFill>
+          </a:ln>
+        </p:spPr>
+        <p:txBody>
+          <a:bodyPr vert="horz" lIns="91440" tIns="45720" rIns="91440" bIns="45720" rtlCol="0" anchor="ctr">
+            <a:normAutofit/>
+          </a:bodyPr>
+          <a:lstStyle/>
+          <a:p>
+            <a:r>
+              <a:rPr lang="en-US" dirty="0"/>
+              <a:t>The Function Design Recipe</a:t>
+            </a:r>
+          </a:p>
+        </p:txBody>
+      </p:sp>
+      <p:sp>
+        <p:nvSpPr>
+          <p:cNvPr id="3" name="Subtitle 2"/>
+          <p:cNvSpPr>
+            <a:spLocks noGrp="1"/>
+          </p:cNvSpPr>
+          <p:nvPr>
+            <p:ph type="subTitle" idx="1"/>
+          </p:nvPr>
+        </p:nvSpPr>
         <p:spPr/>
         <p:txBody>
           <a:bodyPr/>
           <a:lstStyle/>
           <a:p>
             <a:r>
-              <a:rPr lang="en-US" dirty="0" smtClean="0"/>
-              <a:t>The Function Design Recipe</a:t>
-            </a:r>
-            <a:endParaRPr lang="en-US" dirty="0"/>
-          </a:p>
-        </p:txBody>
-      </p:sp>
-      <p:sp>
-        <p:nvSpPr>
-          <p:cNvPr id="3" name="Subtitle 2"/>
-          <p:cNvSpPr>
-            <a:spLocks noGrp="1"/>
-          </p:cNvSpPr>
-          <p:nvPr>
-            <p:ph type="subTitle" idx="1"/>
-          </p:nvPr>
-        </p:nvSpPr>
-        <p:spPr/>
-        <p:txBody>
-          <a:bodyPr/>
-          <a:lstStyle/>
-          <a:p>
-            <a:r>
-              <a:rPr lang="en-US" dirty="0" smtClean="0"/>
+              <a:rPr lang="en-US" dirty="0"/>
               <a:t>CS 5010 Program Design Paradigms “</a:t>
             </a:r>
             <a:r>
-              <a:rPr lang="en-US" dirty="0" err="1" smtClean="0"/>
+              <a:rPr lang="en-US" dirty="0" err="1"/>
               <a:t>Bootcamp</a:t>
             </a:r>
             <a:r>
-              <a:rPr lang="en-US" dirty="0" smtClean="0"/>
+              <a:rPr lang="en-US" dirty="0"/>
               <a:t>”</a:t>
             </a:r>
           </a:p>
           <a:p>
             <a:r>
-              <a:rPr lang="en-US" dirty="0" smtClean="0"/>
+              <a:rPr lang="en-US" dirty="0"/>
               <a:t>Lesson 1.1</a:t>
             </a:r>
           </a:p>
@@ -5389,29 +5340,29 @@
           <a:lstStyle/>
           <a:p>
             <a:r>
-              <a:rPr lang="en-US" smtClean="0"/>
+              <a:rPr lang="en-US"/>
               <a:t>TexPoint fonts used in EMF. </a:t>
             </a:r>
           </a:p>
           <a:p>
             <a:r>
-              <a:rPr lang="en-US" smtClean="0"/>
+              <a:rPr lang="en-US"/>
               <a:t>Read the TexPoint manual before you delete this box.: </a:t>
             </a:r>
             <a:r>
-              <a:rPr lang="en-US" smtClean="0">
+              <a:rPr lang="en-US">
                 <a:latin typeface="CMMI10"/>
               </a:rPr>
               <a:t>A</a:t>
             </a:r>
             <a:r>
-              <a:rPr lang="en-US" smtClean="0">
+              <a:rPr lang="en-US">
                 <a:latin typeface="CMR10"/>
               </a:rPr>
               <a:t>A</a:t>
             </a:r>
             <a:r>
-              <a:rPr lang="en-US" smtClean="0">
+              <a:rPr lang="en-US">
                 <a:latin typeface="CMSY10ORIG"/>
               </a:rPr>
               <a:t>A</a:t>
@@ -5512,27 +5463,13 @@
             <a:p>
               <a:r>
                 <a:rPr lang="en-US" sz="1000" dirty="0"/>
-                <a:t>© Mitchell Wand, </a:t>
-              </a:r>
-              <a:r>
-                <a:rPr lang="en-US" sz="1000" dirty="0" smtClean="0"/>
-                <a:t>2012-2014</a:t>
+                <a:t>© Mitchell Wand, 2012-2014</a:t>
               </a:r>
             </a:p>
             <a:p>
               <a:r>
-                <a:rPr lang="en-US" sz="1000" dirty="0" smtClean="0"/>
+                <a:rPr lang="en-US" sz="1000" dirty="0"/>
                 <a:t>This work is licensed under a </a:t>
-              </a:r>
-              <a:r>
-                <a:rPr lang="en-US" altLang="en-US" sz="1000" dirty="0" smtClean="0">
-                  <a:solidFill>
-                    <a:srgbClr val="4374B7"/>
-                  </a:solidFill>
-                  <a:latin typeface="Arial Unicode MS" panose="020B0604020202020204" pitchFamily="34" charset="-128"/>
-                  <a:hlinkClick r:id="rId5"/>
-                </a:rPr>
-                <a:t>Creative </a:t>
               </a:r>
               <a:r>
                 <a:rPr lang="en-US" altLang="en-US" sz="1000" dirty="0">
@@ -5542,7 +5479,7 @@
                   <a:latin typeface="Arial Unicode MS" panose="020B0604020202020204" pitchFamily="34" charset="-128"/>
                   <a:hlinkClick r:id="rId5"/>
                 </a:rPr>
-                <a:t>Commons Attribution-</a:t>
+                <a:t>Creative Commons Attribution-</a:t>
               </a:r>
               <a:r>
                 <a:rPr lang="en-US" altLang="en-US" sz="1000" dirty="0" err="1">
@@ -5565,10 +5502,9 @@
                 <a:t> 4.0 International License</a:t>
               </a:r>
               <a:r>
-                <a:rPr lang="en-US" sz="1000" dirty="0" smtClean="0"/>
+                <a:rPr lang="en-US" sz="1000" dirty="0"/>
                 <a:t>.</a:t>
               </a:r>
-              <a:endParaRPr lang="en-US" sz="1000" dirty="0"/>
             </a:p>
           </p:txBody>
         </p:sp>
@@ -5578,13 +5514,6 @@
   <p:clrMapOvr>
     <a:masterClrMapping/>
   </p:clrMapOvr>
-  <p:timing>
-    <p:tnLst>
-      <p:par>
-        <p:cTn id="1" dur="indefinite" restart="never" nodeType="tmRoot"/>
-      </p:par>
-    </p:tnLst>
-  </p:timing>
 </p:sld>
 </file>
 
@@ -5621,10 +5550,9 @@
           <a:lstStyle/>
           <a:p>
             <a:r>
-              <a:rPr lang="en-US" dirty="0" smtClean="0"/>
+              <a:rPr lang="en-US" dirty="0"/>
               <a:t>Information and Data: Example</a:t>
             </a:r>
-            <a:endParaRPr lang="en-US" dirty="0"/>
           </a:p>
         </p:txBody>
       </p:sp>
@@ -5680,18 +5608,13 @@
             <a:p>
               <a:pPr algn="ctr"/>
               <a:r>
-                <a:rPr lang="en-US" sz="3200" dirty="0" smtClean="0">
+                <a:rPr lang="en-US" sz="3200" dirty="0">
                   <a:solidFill>
                     <a:schemeClr val="tx1"/>
                   </a:solidFill>
                 </a:rPr>
                 <a:t>My shirt is red</a:t>
               </a:r>
-              <a:endParaRPr lang="en-US" sz="3200" dirty="0">
-                <a:solidFill>
-                  <a:schemeClr val="tx1"/>
-                </a:solidFill>
-              </a:endParaRPr>
             </a:p>
           </p:txBody>
         </p:sp>
@@ -5733,18 +5656,13 @@
             <a:p>
               <a:pPr algn="ctr"/>
               <a:r>
-                <a:rPr lang="en-US" sz="3200" dirty="0" smtClean="0">
+                <a:rPr lang="en-US" sz="3200" dirty="0">
                   <a:solidFill>
                     <a:schemeClr val="tx1"/>
                   </a:solidFill>
                 </a:rPr>
                 <a:t>c = "rouge"</a:t>
               </a:r>
-              <a:endParaRPr lang="en-US" sz="3200" dirty="0">
-                <a:solidFill>
-                  <a:schemeClr val="tx1"/>
-                </a:solidFill>
-              </a:endParaRPr>
             </a:p>
           </p:txBody>
         </p:sp>
@@ -5799,7 +5717,7 @@
               <a:p>
                 <a:pPr algn="ctr"/>
                 <a:r>
-                  <a:rPr lang="en-US" sz="2400" dirty="0" smtClean="0"/>
+                  <a:rPr lang="en-US" sz="2400" dirty="0"/>
                   <a:t>representation</a:t>
                 </a:r>
               </a:p>
@@ -5845,10 +5763,9 @@
               <a:p>
                 <a:pPr algn="ctr"/>
                 <a:r>
-                  <a:rPr lang="en-US" sz="2400" dirty="0" smtClean="0"/>
+                  <a:rPr lang="en-US" sz="2400" dirty="0"/>
                   <a:t>interpretation</a:t>
                 </a:r>
-                <a:endParaRPr lang="en-US" sz="2400" dirty="0"/>
               </a:p>
             </p:txBody>
           </p:sp>
@@ -5901,10 +5818,9 @@
           <a:lstStyle/>
           <a:p>
             <a:r>
-              <a:rPr lang="en-US" sz="3200" dirty="0" smtClean="0"/>
+              <a:rPr lang="en-US" sz="3200" dirty="0"/>
               <a:t>How do we know that these are connected?</a:t>
             </a:r>
-            <a:endParaRPr lang="en-US" sz="3200" dirty="0"/>
           </a:p>
         </p:txBody>
       </p:sp>
@@ -5931,10 +5847,9 @@
           <a:lstStyle/>
           <a:p>
             <a:r>
-              <a:rPr lang="en-US" sz="3200" dirty="0" smtClean="0"/>
+              <a:rPr lang="en-US" sz="3200" dirty="0"/>
               <a:t>Answer: we have to write down the interpretation.</a:t>
             </a:r>
-            <a:endParaRPr lang="en-US" sz="3200" dirty="0"/>
           </a:p>
         </p:txBody>
       </p:sp>
@@ -6103,10 +6018,9 @@
           <a:lstStyle/>
           <a:p>
             <a:r>
-              <a:rPr lang="en-US" dirty="0" smtClean="0"/>
+              <a:rPr lang="en-US" dirty="0"/>
               <a:t>Information and Data: Example</a:t>
             </a:r>
-            <a:endParaRPr lang="en-US" dirty="0"/>
           </a:p>
         </p:txBody>
       </p:sp>
@@ -6162,18 +6076,13 @@
             <a:p>
               <a:pPr algn="ctr"/>
               <a:r>
-                <a:rPr lang="en-US" sz="3200" dirty="0" smtClean="0">
+                <a:rPr lang="en-US" sz="3200" dirty="0">
                   <a:solidFill>
                     <a:schemeClr val="tx1"/>
                   </a:solidFill>
                 </a:rPr>
                 <a:t>My shirt is red</a:t>
               </a:r>
-              <a:endParaRPr lang="en-US" sz="3200" dirty="0">
-                <a:solidFill>
-                  <a:schemeClr val="tx1"/>
-                </a:solidFill>
-              </a:endParaRPr>
             </a:p>
           </p:txBody>
         </p:sp>
@@ -6215,18 +6124,13 @@
             <a:p>
               <a:pPr algn="ctr"/>
               <a:r>
-                <a:rPr lang="en-US" sz="3200" dirty="0" smtClean="0">
+                <a:rPr lang="en-US" sz="3200" dirty="0">
                   <a:solidFill>
                     <a:schemeClr val="tx1"/>
                   </a:solidFill>
                 </a:rPr>
                 <a:t>c = "rouge"</a:t>
               </a:r>
-              <a:endParaRPr lang="en-US" sz="3200" dirty="0">
-                <a:solidFill>
-                  <a:schemeClr val="tx1"/>
-                </a:solidFill>
-              </a:endParaRPr>
             </a:p>
           </p:txBody>
         </p:sp>
@@ -6281,7 +6185,7 @@
               <a:p>
                 <a:pPr algn="ctr"/>
                 <a:r>
-                  <a:rPr lang="en-US" sz="2400" dirty="0" smtClean="0"/>
+                  <a:rPr lang="en-US" sz="2400" dirty="0"/>
                   <a:t>representation</a:t>
                 </a:r>
               </a:p>
@@ -6327,10 +6231,9 @@
               <a:p>
                 <a:pPr algn="ctr"/>
                 <a:r>
-                  <a:rPr lang="en-US" sz="2400" dirty="0" smtClean="0"/>
+                  <a:rPr lang="en-US" sz="2400" dirty="0"/>
                   <a:t>interpretation</a:t>
                 </a:r>
-                <a:endParaRPr lang="en-US" sz="2400" dirty="0"/>
               </a:p>
             </p:txBody>
           </p:sp>
@@ -6383,7 +6286,7 @@
           <a:lstStyle/>
           <a:p>
             <a:r>
-              <a:rPr lang="en-US" sz="3200" dirty="0" smtClean="0">
+              <a:rPr lang="en-US" sz="3200" dirty="0">
                 <a:solidFill>
                   <a:srgbClr val="FF0000"/>
                 </a:solidFill>
@@ -6391,16 +6294,15 @@
               <a:t>Interpretation</a:t>
             </a:r>
             <a:r>
-              <a:rPr lang="en-US" sz="3200" dirty="0" smtClean="0"/>
+              <a:rPr lang="en-US" sz="3200" dirty="0"/>
               <a:t>:</a:t>
             </a:r>
           </a:p>
           <a:p>
             <a:r>
-              <a:rPr lang="en-US" sz="3200" dirty="0" smtClean="0"/>
+              <a:rPr lang="en-US" sz="3200" dirty="0"/>
               <a:t>c = the color of my shirt, as a string, in French</a:t>
             </a:r>
-            <a:endParaRPr lang="en-US" sz="3200" dirty="0"/>
           </a:p>
         </p:txBody>
       </p:sp>
@@ -6427,11 +6329,11 @@
           <a:lstStyle/>
           <a:p>
             <a:r>
-              <a:rPr lang="en-US" sz="3200" dirty="0" smtClean="0"/>
+              <a:rPr lang="en-US" sz="3200" dirty="0"/>
               <a:t>This is part of the program </a:t>
             </a:r>
             <a:r>
-              <a:rPr lang="en-US" sz="3200" i="1" dirty="0" smtClean="0">
+              <a:rPr lang="en-US" sz="3200" i="1" dirty="0">
                 <a:solidFill>
                   <a:srgbClr val="FF0000"/>
                 </a:solidFill>
@@ -6439,10 +6341,9 @@
               <a:t>design</a:t>
             </a:r>
             <a:r>
-              <a:rPr lang="en-US" sz="3200" dirty="0" smtClean="0"/>
+              <a:rPr lang="en-US" sz="3200" dirty="0"/>
               <a:t> process.</a:t>
             </a:r>
-            <a:endParaRPr lang="en-US" sz="3200" dirty="0"/>
           </a:p>
         </p:txBody>
       </p:sp>
@@ -6618,10 +6519,9 @@
           <a:lstStyle/>
           <a:p>
             <a:r>
-              <a:rPr lang="en-US" dirty="0" smtClean="0"/>
+              <a:rPr lang="en-US" dirty="0"/>
               <a:t>Deliverables for Step 1 (Information Analysis and Data Design)</a:t>
             </a:r>
-            <a:endParaRPr lang="en-US" dirty="0"/>
           </a:p>
         </p:txBody>
       </p:sp>
@@ -6644,23 +6544,22 @@
           <a:p>
             <a:pPr fontAlgn="t"/>
             <a:r>
-              <a:rPr lang="en-US" dirty="0" smtClean="0"/>
+              <a:rPr lang="en-US" dirty="0"/>
               <a:t>Constructor Template</a:t>
             </a:r>
           </a:p>
           <a:p>
             <a:pPr lvl="1" fontAlgn="t"/>
             <a:r>
-              <a:rPr lang="en-US" dirty="0" smtClean="0"/>
+              <a:rPr lang="en-US" dirty="0"/>
               <a:t>a recipe for how to build values of this data type</a:t>
             </a:r>
-            <a:endParaRPr lang="en-US" dirty="0"/>
           </a:p>
           <a:p>
             <a:pPr fontAlgn="t"/>
             <a:r>
               <a:rPr lang="en-US" dirty="0"/>
-              <a:t>Destructor Template</a:t>
+              <a:t>Observer Template</a:t>
             </a:r>
           </a:p>
           <a:p>
@@ -6673,31 +6572,26 @@
           <a:p>
             <a:pPr fontAlgn="t"/>
             <a:r>
-              <a:rPr lang="en-US" dirty="0" smtClean="0"/>
+              <a:rPr lang="en-US" dirty="0"/>
               <a:t>Interpretation</a:t>
             </a:r>
           </a:p>
           <a:p>
             <a:pPr lvl="1" fontAlgn="t"/>
             <a:r>
-              <a:rPr lang="en-US" dirty="0" smtClean="0"/>
+              <a:rPr lang="en-US" dirty="0"/>
               <a:t>what each value of the type represents</a:t>
             </a:r>
-            <a:endParaRPr lang="en-US" dirty="0"/>
           </a:p>
           <a:p>
             <a:pPr fontAlgn="t"/>
             <a:r>
-              <a:rPr lang="en-US" dirty="0" err="1" smtClean="0"/>
+              <a:rPr lang="en-US" dirty="0" err="1"/>
               <a:t>Struct</a:t>
             </a:r>
             <a:r>
-              <a:rPr lang="en-US" dirty="0" smtClean="0"/>
-              <a:t> </a:t>
-            </a:r>
-            <a:r>
               <a:rPr lang="en-US" dirty="0"/>
-              <a:t>Definitions</a:t>
+              <a:t> Definitions</a:t>
             </a:r>
           </a:p>
           <a:p>
@@ -6710,20 +6604,19 @@
           <a:p>
             <a:pPr fontAlgn="t"/>
             <a:r>
-              <a:rPr lang="en-US" dirty="0" smtClean="0"/>
+              <a:rPr lang="en-US" dirty="0"/>
               <a:t>Examples</a:t>
             </a:r>
           </a:p>
           <a:p>
             <a:pPr lvl="1" fontAlgn="t"/>
             <a:r>
-              <a:rPr lang="en-US" dirty="0" smtClean="0"/>
+              <a:rPr lang="en-US" dirty="0"/>
               <a:t>see Slogan #2 (Lesson 0.2)</a:t>
             </a:r>
+          </a:p>
+          <a:p>
             <a:endParaRPr lang="en-US" dirty="0"/>
-          </a:p>
-          <a:p>
-            <a:endParaRPr lang="en-US" dirty="0" smtClean="0"/>
           </a:p>
         </p:txBody>
       </p:sp>
@@ -6756,13 +6649,6 @@
   <p:clrMapOvr>
     <a:masterClrMapping/>
   </p:clrMapOvr>
-  <p:timing>
-    <p:tnLst>
-      <p:par>
-        <p:cTn id="1" dur="indefinite" restart="never" nodeType="tmRoot"/>
-      </p:par>
-    </p:tnLst>
-  </p:timing>
 </p:sld>
 </file>
 
@@ -6799,10 +6685,9 @@
           <a:lstStyle/>
           <a:p>
             <a:r>
-              <a:rPr lang="en-US" dirty="0" smtClean="0"/>
+              <a:rPr lang="en-US" dirty="0"/>
               <a:t>That first step was a big one!</a:t>
             </a:r>
-            <a:endParaRPr lang="en-US" dirty="0"/>
           </a:p>
         </p:txBody>
       </p:sp>
@@ -6822,7 +6707,7 @@
           <a:lstStyle/>
           <a:p>
             <a:r>
-              <a:rPr lang="en-US" dirty="0" smtClean="0"/>
+              <a:rPr lang="en-US" dirty="0"/>
               <a:t>... but important:  the vast majority of errors in student programs can be traced back to errors in step 1!</a:t>
             </a:r>
           </a:p>
@@ -6862,13 +6747,6 @@
   <p:clrMapOvr>
     <a:masterClrMapping/>
   </p:clrMapOvr>
-  <p:timing>
-    <p:tnLst>
-      <p:par>
-        <p:cTn id="1" dur="indefinite" restart="never" nodeType="tmRoot"/>
-      </p:par>
-    </p:tnLst>
-  </p:timing>
 </p:sld>
 </file>
 
@@ -6907,10 +6785,9 @@
           <a:lstStyle/>
           <a:p>
             <a:r>
-              <a:rPr lang="en-US" dirty="0" smtClean="0"/>
+              <a:rPr lang="en-US" dirty="0"/>
               <a:t>Step 2: Contract and Purpose Statement</a:t>
             </a:r>
-            <a:endParaRPr lang="en-US" dirty="0"/>
           </a:p>
         </p:txBody>
       </p:sp>
@@ -6932,7 +6809,7 @@
           <a:lstStyle/>
           <a:p>
             <a:r>
-              <a:rPr lang="en-US" i="1" dirty="0" smtClean="0">
+              <a:rPr lang="en-US" i="1" dirty="0">
                 <a:solidFill>
                   <a:srgbClr val="FF0000"/>
                 </a:solidFill>
@@ -6940,13 +6817,13 @@
               <a:t>Contract:</a:t>
             </a:r>
             <a:r>
-              <a:rPr lang="en-US" dirty="0" smtClean="0"/>
+              <a:rPr lang="en-US" dirty="0"/>
               <a:t> specifies the kind of input data and the kind of output data</a:t>
             </a:r>
           </a:p>
           <a:p>
             <a:r>
-              <a:rPr lang="en-US" i="1" dirty="0" smtClean="0">
+              <a:rPr lang="en-US" i="1" dirty="0">
                 <a:solidFill>
                   <a:srgbClr val="FF0000"/>
                 </a:solidFill>
@@ -6954,20 +6831,8 @@
               <a:t>Purpose Statement:</a:t>
             </a:r>
             <a:r>
-              <a:rPr lang="en-US" dirty="0" smtClean="0"/>
-              <a:t> </a:t>
-            </a:r>
-            <a:r>
               <a:rPr lang="en-US" dirty="0"/>
-              <a:t>A </a:t>
-            </a:r>
-            <a:r>
-              <a:rPr lang="en-US" dirty="0" smtClean="0"/>
-              <a:t>set of short noun phrases </a:t>
-            </a:r>
-            <a:r>
-              <a:rPr lang="en-US" dirty="0"/>
-              <a:t>describing </a:t>
+              <a:t> A set of short noun phrases describing </a:t>
             </a:r>
             <a:r>
               <a:rPr lang="en-US" i="1" dirty="0"/>
@@ -6975,41 +6840,20 @@
             </a:r>
             <a:r>
               <a:rPr lang="en-US" dirty="0"/>
-              <a:t> the function is supposed to return. </a:t>
-            </a:r>
-            <a:r>
-              <a:rPr lang="en-US" dirty="0" smtClean="0"/>
-              <a:t>These are typically </a:t>
-            </a:r>
+              <a:t> the function is supposed to return. These are typically phrased in terms of information, not data. </a:t>
+            </a:r>
+          </a:p>
+          <a:p>
+            <a:pPr lvl="1"/>
             <a:r>
               <a:rPr lang="en-US" dirty="0"/>
-              <a:t>phrased in terms of information, not data. </a:t>
-            </a:r>
-            <a:endParaRPr lang="en-US" dirty="0" smtClean="0"/>
+              <a:t>The generally take the form GIVEN/RETURNS, where each of these keywords is followed by a short noun phrase.</a:t>
+            </a:r>
           </a:p>
           <a:p>
             <a:pPr lvl="1"/>
             <a:r>
-              <a:rPr lang="en-US" dirty="0" smtClean="0"/>
-              <a:t>The generally take the </a:t>
-            </a:r>
-            <a:r>
               <a:rPr lang="en-US" dirty="0"/>
-              <a:t>form </a:t>
-            </a:r>
-            <a:r>
-              <a:rPr lang="en-US" dirty="0" smtClean="0"/>
-              <a:t>GIVEN/RETURNS</a:t>
-            </a:r>
-            <a:r>
-              <a:rPr lang="en-US" dirty="0"/>
-              <a:t>, where each of these keywords is followed by a short noun phrase.</a:t>
-            </a:r>
-          </a:p>
-          <a:p>
-            <a:pPr lvl="1"/>
-            <a:r>
-              <a:rPr lang="en-US" dirty="0" smtClean="0"/>
               <a:t>When possible, they are phrased in terms of information, not data.</a:t>
             </a:r>
           </a:p>
@@ -7047,13 +6891,6 @@
   <p:clrMapOvr>
     <a:masterClrMapping/>
   </p:clrMapOvr>
-  <p:timing>
-    <p:tnLst>
-      <p:par>
-        <p:cTn id="1" dur="indefinite" restart="never" nodeType="tmRoot"/>
-      </p:par>
-    </p:tnLst>
-  </p:timing>
 </p:sld>
 </file>
 
@@ -7092,10 +6929,9 @@
           <a:lstStyle/>
           <a:p>
             <a:r>
-              <a:rPr lang="en-US" dirty="0" smtClean="0"/>
+              <a:rPr lang="en-US" dirty="0"/>
               <a:t>Examples of Contract and Purpose Statements</a:t>
             </a:r>
-            <a:endParaRPr lang="en-US" dirty="0"/>
           </a:p>
         </p:txBody>
       </p:sp>
@@ -7120,11 +6956,11 @@
               <a:buNone/>
             </a:pPr>
             <a:r>
-              <a:rPr lang="en-US" sz="2400" dirty="0" smtClean="0"/>
+              <a:rPr lang="en-US" sz="2400" dirty="0"/>
               <a:t>f2c : </a:t>
             </a:r>
             <a:r>
-              <a:rPr lang="en-US" sz="2400" dirty="0" smtClean="0">
+              <a:rPr lang="en-US" sz="2400" dirty="0">
                 <a:solidFill>
                   <a:schemeClr val="accent3"/>
                 </a:solidFill>
@@ -7132,7 +6968,7 @@
               <a:t>Real</a:t>
             </a:r>
             <a:r>
-              <a:rPr lang="en-US" sz="2400" dirty="0" smtClean="0"/>
+              <a:rPr lang="en-US" sz="2400" dirty="0"/>
               <a:t> -&gt; Real</a:t>
             </a:r>
           </a:p>
@@ -7141,12 +6977,8 @@
               <a:buNone/>
             </a:pPr>
             <a:r>
-              <a:rPr lang="en-US" sz="2400" dirty="0" smtClean="0"/>
-              <a:t>GIVEN</a:t>
-            </a:r>
-            <a:r>
               <a:rPr lang="en-US" sz="2400" dirty="0"/>
-              <a:t>: </a:t>
+              <a:t>GIVEN: </a:t>
             </a:r>
             <a:r>
               <a:rPr lang="en-US" sz="2400" dirty="0">
@@ -7156,93 +6988,48 @@
               </a:rPr>
               <a:t>a temperature in Fahrenheit </a:t>
             </a:r>
-            <a:endParaRPr lang="en-US" sz="2400" dirty="0" smtClean="0">
-              <a:solidFill>
-                <a:srgbClr val="FF0000"/>
-              </a:solidFill>
-            </a:endParaRPr>
           </a:p>
           <a:p>
             <a:pPr>
               <a:buNone/>
             </a:pPr>
             <a:r>
-              <a:rPr lang="en-US" sz="2400" dirty="0" smtClean="0"/>
-              <a:t>RETURNS</a:t>
-            </a:r>
-            <a:r>
               <a:rPr lang="en-US" sz="2400" dirty="0"/>
-              <a:t>: the corresponding temperature in Celsius </a:t>
-            </a:r>
-            <a:endParaRPr lang="en-US" sz="2400" dirty="0" smtClean="0"/>
+              <a:t>RETURNS: the corresponding temperature in Celsius </a:t>
+            </a:r>
           </a:p>
           <a:p>
             <a:pPr>
               <a:buNone/>
             </a:pPr>
-            <a:endParaRPr lang="en-US" sz="2400" dirty="0" smtClean="0"/>
+            <a:endParaRPr lang="en-US" sz="2400" dirty="0"/>
           </a:p>
           <a:p>
             <a:pPr>
               <a:buNone/>
             </a:pPr>
             <a:r>
-              <a:rPr lang="en-US" sz="2400" dirty="0" smtClean="0"/>
+              <a:rPr lang="en-US" sz="2400" dirty="0"/>
               <a:t>add-cat-to-scene : Cat Scene -&gt; Scene</a:t>
             </a:r>
-            <a:endParaRPr lang="en-US" sz="2400" dirty="0"/>
           </a:p>
           <a:p>
             <a:pPr>
               <a:buNone/>
             </a:pPr>
             <a:r>
-              <a:rPr lang="en-US" sz="2400" dirty="0" smtClean="0"/>
-              <a:t>GIVEN</a:t>
-            </a:r>
-            <a:r>
               <a:rPr lang="en-US" sz="2400" dirty="0"/>
-              <a:t>: a Cat c and </a:t>
-            </a:r>
-            <a:r>
-              <a:rPr lang="en-US" sz="2400" dirty="0" smtClean="0"/>
-              <a:t>a Scene </a:t>
-            </a:r>
-            <a:r>
-              <a:rPr lang="en-US" sz="2400" dirty="0"/>
-              <a:t>s </a:t>
-            </a:r>
-            <a:endParaRPr lang="en-US" sz="2400" dirty="0" smtClean="0"/>
+              <a:t>GIVEN: a Cat c and a Scene s </a:t>
+            </a:r>
           </a:p>
           <a:p>
             <a:pPr>
               <a:buNone/>
             </a:pPr>
             <a:r>
-              <a:rPr lang="en-US" sz="2400" dirty="0" smtClean="0"/>
-              <a:t>RETURNS</a:t>
-            </a:r>
-            <a:r>
               <a:rPr lang="en-US" sz="2400" dirty="0"/>
-              <a:t>: A </a:t>
-            </a:r>
-            <a:r>
-              <a:rPr lang="en-US" sz="2400" dirty="0" smtClean="0"/>
-              <a:t>Scene </a:t>
-            </a:r>
-            <a:r>
-              <a:rPr lang="en-US" sz="2400" dirty="0"/>
-              <a:t>like s, except that the </a:t>
-            </a:r>
-            <a:r>
-              <a:rPr lang="en-US" sz="2400" dirty="0" smtClean="0"/>
-              <a:t>Cat </a:t>
-            </a:r>
-            <a:r>
-              <a:rPr lang="en-US" sz="2400" dirty="0"/>
-              <a:t>c has been painted on it. </a:t>
-            </a:r>
-            <a:endParaRPr lang="en-US" sz="2400" dirty="0" smtClean="0"/>
+              <a:t>RETURNS: A Scene like s, except that the Cat c has been painted on it. </a:t>
+            </a:r>
           </a:p>
         </p:txBody>
       </p:sp>
@@ -7298,7 +7085,7 @@
           <a:lstStyle/>
           <a:p>
             <a:r>
-              <a:rPr lang="en-US" sz="2400" dirty="0" smtClean="0">
+              <a:rPr lang="en-US" sz="2400" dirty="0">
                 <a:solidFill>
                   <a:schemeClr val="accent3">
                     <a:lumMod val="75000"/>
@@ -7307,13 +7094,6 @@
               </a:rPr>
               <a:t>data</a:t>
             </a:r>
-            <a:endParaRPr lang="en-US" sz="2400" dirty="0">
-              <a:solidFill>
-                <a:schemeClr val="accent3">
-                  <a:lumMod val="75000"/>
-                </a:schemeClr>
-              </a:solidFill>
-            </a:endParaRPr>
           </a:p>
         </p:txBody>
       </p:sp>
@@ -7345,18 +7125,13 @@
           <a:lstStyle/>
           <a:p>
             <a:r>
-              <a:rPr lang="en-US" sz="2400" dirty="0" smtClean="0">
+              <a:rPr lang="en-US" sz="2400" dirty="0">
                 <a:solidFill>
                   <a:srgbClr val="FF0000"/>
                 </a:solidFill>
               </a:rPr>
               <a:t>information</a:t>
             </a:r>
-            <a:endParaRPr lang="en-US" sz="2400" dirty="0">
-              <a:solidFill>
-                <a:srgbClr val="FF0000"/>
-              </a:solidFill>
-            </a:endParaRPr>
           </a:p>
         </p:txBody>
       </p:sp>
@@ -7531,13 +7306,6 @@
   <p:clrMapOvr>
     <a:masterClrMapping/>
   </p:clrMapOvr>
-  <p:timing>
-    <p:tnLst>
-      <p:par>
-        <p:cTn id="1" dur="indefinite" restart="never" nodeType="tmRoot"/>
-      </p:par>
-    </p:tnLst>
-  </p:timing>
 </p:sld>
 </file>
 
@@ -7574,10 +7342,9 @@
           <a:lstStyle/>
           <a:p>
             <a:r>
-              <a:rPr lang="en-US" dirty="0" smtClean="0"/>
+              <a:rPr lang="en-US" dirty="0"/>
               <a:t>A Cat is not a cat</a:t>
             </a:r>
-            <a:endParaRPr lang="en-US" dirty="0"/>
           </a:p>
         </p:txBody>
       </p:sp>
@@ -7602,7 +7369,7 @@
               <a:buNone/>
             </a:pPr>
             <a:r>
-              <a:rPr lang="en-US" dirty="0" smtClean="0"/>
+              <a:rPr lang="en-US" dirty="0"/>
               <a:t>We wrote:</a:t>
             </a:r>
           </a:p>
@@ -7639,47 +7406,15 @@
                 <a:latin typeface="Consolas" pitchFamily="49" charset="0"/>
                 <a:cs typeface="Consolas" pitchFamily="49" charset="0"/>
               </a:rPr>
-              <a:t>RETURNS: A </a:t>
-            </a:r>
-            <a:r>
-              <a:rPr lang="en-US" sz="2000" b="1" dirty="0" smtClean="0">
-                <a:latin typeface="Consolas" pitchFamily="49" charset="0"/>
-                <a:cs typeface="Consolas" pitchFamily="49" charset="0"/>
-              </a:rPr>
-              <a:t>Scene </a:t>
-            </a:r>
-            <a:r>
-              <a:rPr lang="en-US" sz="2000" b="1" dirty="0">
-                <a:latin typeface="Consolas" pitchFamily="49" charset="0"/>
-                <a:cs typeface="Consolas" pitchFamily="49" charset="0"/>
-              </a:rPr>
-              <a:t>like s, except that the </a:t>
-            </a:r>
-            <a:r>
-              <a:rPr lang="en-US" sz="2000" b="1" dirty="0" smtClean="0">
-                <a:latin typeface="Consolas" pitchFamily="49" charset="0"/>
-                <a:cs typeface="Consolas" pitchFamily="49" charset="0"/>
-              </a:rPr>
-              <a:t>Cat </a:t>
-            </a:r>
-            <a:r>
-              <a:rPr lang="en-US" sz="2000" b="1" dirty="0">
-                <a:latin typeface="Consolas" pitchFamily="49" charset="0"/>
-                <a:cs typeface="Consolas" pitchFamily="49" charset="0"/>
-              </a:rPr>
-              <a:t>c has been painted on it. </a:t>
-            </a:r>
-            <a:endParaRPr lang="en-US" sz="2000" b="1" dirty="0" smtClean="0">
-              <a:latin typeface="Consolas" pitchFamily="49" charset="0"/>
-              <a:cs typeface="Consolas" pitchFamily="49" charset="0"/>
-            </a:endParaRPr>
+              <a:t>RETURNS: A Scene like s, except that the Cat c has been painted on it. </a:t>
+            </a:r>
           </a:p>
           <a:p>
             <a:pPr marL="0" indent="0">
               <a:buNone/>
             </a:pPr>
             <a:r>
-              <a:rPr lang="en-US" dirty="0" smtClean="0">
+              <a:rPr lang="en-US" dirty="0">
                 <a:cs typeface="Consolas" pitchFamily="49" charset="0"/>
               </a:rPr>
               <a:t>but of course there are no cats in our computer. What this means is:</a:t>
@@ -7687,14 +7422,14 @@
           </a:p>
           <a:p>
             <a:r>
-              <a:rPr lang="en-US" b="1" dirty="0" smtClean="0">
+              <a:rPr lang="en-US" b="1" dirty="0">
                 <a:latin typeface="Consolas" pitchFamily="49" charset="0"/>
                 <a:cs typeface="Consolas" pitchFamily="49" charset="0"/>
               </a:rPr>
               <a:t>c</a:t>
             </a:r>
             <a:r>
-              <a:rPr lang="en-US" dirty="0" smtClean="0">
+              <a:rPr lang="en-US" dirty="0">
                 <a:cs typeface="Consolas" pitchFamily="49" charset="0"/>
               </a:rPr>
               <a:t> is the representation of some cat</a:t>
@@ -7702,14 +7437,14 @@
           </a:p>
           <a:p>
             <a:r>
-              <a:rPr lang="en-US" b="1" dirty="0" smtClean="0">
+              <a:rPr lang="en-US" b="1" dirty="0">
                 <a:latin typeface="Consolas" pitchFamily="49" charset="0"/>
                 <a:cs typeface="Consolas" pitchFamily="49" charset="0"/>
               </a:rPr>
               <a:t>s</a:t>
             </a:r>
             <a:r>
-              <a:rPr lang="en-US" dirty="0" smtClean="0">
+              <a:rPr lang="en-US" dirty="0">
                 <a:cs typeface="Consolas" pitchFamily="49" charset="0"/>
               </a:rPr>
               <a:t> is the representation of some scene</a:t>
@@ -7717,27 +7452,27 @@
           </a:p>
           <a:p>
             <a:r>
-              <a:rPr lang="en-US" dirty="0" smtClean="0">
+              <a:rPr lang="en-US" dirty="0">
                 <a:cs typeface="Consolas" pitchFamily="49" charset="0"/>
               </a:rPr>
               <a:t>the function returns a representation of a scene like the one </a:t>
             </a:r>
             <a:r>
-              <a:rPr lang="en-US" b="1" dirty="0" smtClean="0">
+              <a:rPr lang="en-US" b="1" dirty="0">
                 <a:latin typeface="Consolas" pitchFamily="49" charset="0"/>
                 <a:cs typeface="Consolas" pitchFamily="49" charset="0"/>
               </a:rPr>
               <a:t>s</a:t>
             </a:r>
             <a:r>
-              <a:rPr lang="en-US" dirty="0" smtClean="0">
+              <a:rPr lang="en-US" dirty="0">
                 <a:cs typeface="Consolas" pitchFamily="49" charset="0"/>
               </a:rPr>
               <a:t> represents, except the new scene contains an image of the cat.</a:t>
             </a:r>
           </a:p>
           <a:p>
-            <a:endParaRPr lang="en-US" dirty="0" smtClean="0"/>
+            <a:endParaRPr lang="en-US" dirty="0"/>
           </a:p>
           <a:p>
             <a:pPr marL="0" indent="0">
@@ -7781,13 +7516,6 @@
   <p:clrMapOvr>
     <a:masterClrMapping/>
   </p:clrMapOvr>
-  <p:timing>
-    <p:tnLst>
-      <p:par>
-        <p:cTn id="1" dur="indefinite" restart="never" nodeType="tmRoot"/>
-      </p:par>
-    </p:tnLst>
-  </p:timing>
 </p:sld>
 </file>
 
@@ -7824,10 +7552,9 @@
           <a:lstStyle/>
           <a:p>
             <a:r>
-              <a:rPr lang="en-US" dirty="0" smtClean="0"/>
+              <a:rPr lang="en-US" dirty="0"/>
               <a:t>Step 3: Examples</a:t>
             </a:r>
-            <a:endParaRPr lang="en-US" dirty="0"/>
           </a:p>
         </p:txBody>
       </p:sp>
@@ -7847,18 +7574,18 @@
           <a:lstStyle/>
           <a:p>
             <a:r>
-              <a:rPr lang="en-US" dirty="0" smtClean="0">
+              <a:rPr lang="en-US" dirty="0">
                 <a:cs typeface="Courier New" pitchFamily="49" charset="0"/>
               </a:rPr>
               <a:t>Some sample arguments and results, to make clear what is intended.</a:t>
             </a:r>
-            <a:endParaRPr lang="en-US" dirty="0" smtClean="0">
+            <a:endParaRPr lang="en-US" dirty="0">
               <a:latin typeface="Courier New" pitchFamily="49" charset="0"/>
               <a:cs typeface="Courier New" pitchFamily="49" charset="0"/>
             </a:endParaRPr>
           </a:p>
           <a:p>
-            <a:endParaRPr lang="en-US" dirty="0" smtClean="0">
+            <a:endParaRPr lang="en-US" dirty="0">
               <a:latin typeface="Courier New" pitchFamily="49" charset="0"/>
               <a:cs typeface="Courier New" pitchFamily="49" charset="0"/>
             </a:endParaRPr>
@@ -7868,7 +7595,7 @@
               <a:buNone/>
             </a:pPr>
             <a:r>
-              <a:rPr lang="en-US" b="1" dirty="0" smtClean="0">
+              <a:rPr lang="en-US" b="1" dirty="0">
                 <a:latin typeface="Consolas" pitchFamily="49" charset="0"/>
                 <a:cs typeface="Consolas" pitchFamily="49" charset="0"/>
               </a:rPr>
@@ -7880,16 +7607,12 @@
               <a:buNone/>
             </a:pPr>
             <a:r>
-              <a:rPr lang="en-US" b="1" dirty="0" smtClean="0">
+              <a:rPr lang="en-US" b="1" dirty="0">
                 <a:latin typeface="Consolas" pitchFamily="49" charset="0"/>
                 <a:cs typeface="Consolas" pitchFamily="49" charset="0"/>
               </a:rPr>
               <a:t>(f2c 212) = 100</a:t>
             </a:r>
-            <a:endParaRPr lang="en-US" b="1" dirty="0">
-              <a:latin typeface="Consolas" pitchFamily="49" charset="0"/>
-              <a:cs typeface="Consolas" pitchFamily="49" charset="0"/>
-            </a:endParaRPr>
           </a:p>
         </p:txBody>
       </p:sp>
@@ -7922,13 +7645,6 @@
   <p:clrMapOvr>
     <a:masterClrMapping/>
   </p:clrMapOvr>
-  <p:timing>
-    <p:tnLst>
-      <p:par>
-        <p:cTn id="1" dur="indefinite" restart="never" nodeType="tmRoot"/>
-      </p:par>
-    </p:tnLst>
-  </p:timing>
 </p:sld>
 </file>
 
@@ -7965,10 +7681,9 @@
           <a:lstStyle/>
           <a:p>
             <a:r>
-              <a:rPr lang="en-US" dirty="0" smtClean="0"/>
+              <a:rPr lang="en-US" dirty="0"/>
               <a:t>Tests</a:t>
             </a:r>
-            <a:endParaRPr lang="en-US" dirty="0"/>
           </a:p>
         </p:txBody>
       </p:sp>
@@ -7993,49 +7708,37 @@
               <a:buNone/>
             </a:pPr>
             <a:r>
-              <a:rPr lang="en-US" sz="2400" dirty="0" smtClean="0">
+              <a:rPr lang="en-US" sz="2400" dirty="0">
                 <a:cs typeface="Consolas" pitchFamily="49" charset="0"/>
               </a:rPr>
               <a:t>We will use the </a:t>
             </a:r>
             <a:r>
-              <a:rPr lang="en-US" sz="2400" b="1" dirty="0" err="1" smtClean="0">
+              <a:rPr lang="en-US" sz="2400" b="1" dirty="0" err="1">
                 <a:latin typeface="Consolas" pitchFamily="49" charset="0"/>
                 <a:cs typeface="Consolas" pitchFamily="49" charset="0"/>
               </a:rPr>
               <a:t>rackunit</a:t>
             </a:r>
             <a:r>
-              <a:rPr lang="en-US" sz="2400" b="1" dirty="0" smtClean="0">
+              <a:rPr lang="en-US" sz="2400" b="1" dirty="0">
                 <a:latin typeface="Consolas" pitchFamily="49" charset="0"/>
                 <a:cs typeface="Consolas" pitchFamily="49" charset="0"/>
               </a:rPr>
               <a:t> </a:t>
             </a:r>
             <a:r>
-              <a:rPr lang="en-US" sz="2400" dirty="0" smtClean="0">
+              <a:rPr lang="en-US" sz="2400" dirty="0">
                 <a:cs typeface="Consolas" pitchFamily="49" charset="0"/>
               </a:rPr>
               <a:t>testing framework.  Your tests will live in the file with your code, so they will be run every time you load your file. </a:t>
             </a:r>
             <a:r>
               <a:rPr lang="en-US" sz="2400" dirty="0"/>
-              <a:t>That way if you inadvertently break something, </a:t>
-            </a:r>
-            <a:r>
-              <a:rPr lang="en-US" sz="2400" dirty="0" smtClean="0"/>
-              <a:t>you’ll find </a:t>
-            </a:r>
-            <a:r>
-              <a:rPr lang="en-US" sz="2400" dirty="0"/>
-              <a:t>out about it quickly</a:t>
-            </a:r>
-            <a:r>
-              <a:rPr lang="en-US" sz="2400" dirty="0" smtClean="0"/>
-              <a:t>.  </a:t>
-            </a:r>
-            <a:r>
-              <a:rPr lang="en-US" sz="2400" dirty="0" smtClean="0">
+              <a:t>That way if you inadvertently break something, you’ll find out about it quickly.  </a:t>
+            </a:r>
+            <a:r>
+              <a:rPr lang="en-US" sz="2400" dirty="0">
                 <a:cs typeface="Consolas" pitchFamily="49" charset="0"/>
               </a:rPr>
               <a:t>More on this later.</a:t>
@@ -8049,7 +7752,7 @@
             <a:pPr>
               <a:buNone/>
             </a:pPr>
-            <a:endParaRPr lang="en-US" sz="2400" b="1" dirty="0" smtClean="0">
+            <a:endParaRPr lang="en-US" sz="2400" b="1" dirty="0">
               <a:latin typeface="Consolas" pitchFamily="49" charset="0"/>
               <a:cs typeface="Consolas" pitchFamily="49" charset="0"/>
             </a:endParaRPr>
@@ -8059,7 +7762,7 @@
               <a:buNone/>
             </a:pPr>
             <a:r>
-              <a:rPr lang="en-US" sz="2400" b="1" dirty="0" smtClean="0">
+              <a:rPr lang="en-US" sz="2400" b="1" dirty="0">
                 <a:latin typeface="Consolas" pitchFamily="49" charset="0"/>
                 <a:cs typeface="Consolas" pitchFamily="49" charset="0"/>
               </a:rPr>
@@ -8071,7 +7774,7 @@
               <a:buNone/>
             </a:pPr>
             <a:r>
-              <a:rPr lang="en-US" sz="2400" b="1" dirty="0" smtClean="0">
+              <a:rPr lang="en-US" sz="2400" b="1" dirty="0">
                 <a:latin typeface="Consolas" pitchFamily="49" charset="0"/>
                 <a:cs typeface="Consolas" pitchFamily="49" charset="0"/>
               </a:rPr>
@@ -8083,7 +7786,7 @@
               <a:buNone/>
             </a:pPr>
             <a:r>
-              <a:rPr lang="en-US" sz="2400" b="1" dirty="0" smtClean="0">
+              <a:rPr lang="en-US" sz="2400" b="1" dirty="0">
                 <a:latin typeface="Consolas" pitchFamily="49" charset="0"/>
                 <a:cs typeface="Consolas" pitchFamily="49" charset="0"/>
               </a:rPr>
@@ -8095,13 +7798,13 @@
               <a:buNone/>
             </a:pPr>
             <a:r>
-              <a:rPr lang="en-US" sz="2400" b="1" dirty="0" smtClean="0">
+              <a:rPr lang="en-US" sz="2400" b="1" dirty="0">
                 <a:latin typeface="Consolas" pitchFamily="49" charset="0"/>
                 <a:cs typeface="Consolas" pitchFamily="49" charset="0"/>
               </a:rPr>
               <a:t>  "212 Fahrenheit should be 100 Celsius")</a:t>
             </a:r>
-            <a:endParaRPr lang="en-US" sz="2400" b="1" dirty="0" smtClean="0">
+            <a:endParaRPr lang="en-US" sz="2400" b="1" dirty="0">
               <a:latin typeface="Courier New" pitchFamily="49" charset="0"/>
               <a:cs typeface="Courier New" pitchFamily="49" charset="0"/>
             </a:endParaRPr>
@@ -8110,7 +7813,7 @@
             <a:pPr>
               <a:buNone/>
             </a:pPr>
-            <a:endParaRPr lang="en-US" sz="2400" dirty="0" smtClean="0">
+            <a:endParaRPr lang="en-US" sz="2400" dirty="0">
               <a:cs typeface="Courier New" pitchFamily="49" charset="0"/>
             </a:endParaRPr>
           </a:p>
@@ -8145,13 +7848,6 @@
   <p:clrMapOvr>
     <a:masterClrMapping/>
   </p:clrMapOvr>
-  <p:timing>
-    <p:tnLst>
-      <p:par>
-        <p:cTn id="1" dur="indefinite" restart="never" nodeType="tmRoot"/>
-      </p:par>
-    </p:tnLst>
-  </p:timing>
 </p:sld>
 </file>
 
@@ -8190,42 +7886,33 @@
           <a:lstStyle/>
           <a:p>
             <a:r>
-              <a:rPr lang="en-US" dirty="0" smtClean="0"/>
-              <a:t>A short description of how to get from the purpose statement to the </a:t>
-            </a:r>
-            <a:r>
               <a:rPr lang="en-US" dirty="0"/>
-              <a:t>f</a:t>
-            </a:r>
-            <a:r>
-              <a:rPr lang="en-US" dirty="0" smtClean="0"/>
-              <a:t>unction definition</a:t>
-            </a:r>
-          </a:p>
-          <a:p>
-            <a:r>
-              <a:rPr lang="en-US" dirty="0" smtClean="0"/>
+              <a:t>A short description of how to get from the purpose statement to the function definition</a:t>
+            </a:r>
+          </a:p>
+          <a:p>
+            <a:r>
+              <a:rPr lang="en-US" dirty="0"/>
               <a:t>We will have a menu of strategies. </a:t>
             </a:r>
           </a:p>
           <a:p>
             <a:r>
-              <a:rPr lang="en-US" dirty="0" smtClean="0"/>
+              <a:rPr lang="en-US" dirty="0"/>
               <a:t>We'll cover this in more detail in Module 2 </a:t>
             </a:r>
+          </a:p>
+          <a:p>
             <a:endParaRPr lang="en-US" dirty="0"/>
           </a:p>
           <a:p>
-            <a:endParaRPr lang="en-US" dirty="0" smtClean="0"/>
-          </a:p>
-          <a:p>
             <a:endParaRPr lang="en-US" dirty="0"/>
           </a:p>
           <a:p>
-            <a:endParaRPr lang="en-US" dirty="0" smtClean="0"/>
-          </a:p>
-          <a:p>
-            <a:endParaRPr lang="en-US" dirty="0" smtClean="0"/>
+            <a:endParaRPr lang="en-US" dirty="0"/>
+          </a:p>
+          <a:p>
+            <a:endParaRPr lang="en-US" dirty="0"/>
           </a:p>
         </p:txBody>
       </p:sp>
@@ -8245,10 +7932,9 @@
           <a:lstStyle/>
           <a:p>
             <a:r>
-              <a:rPr lang="en-US" dirty="0" smtClean="0"/>
+              <a:rPr lang="en-US" dirty="0"/>
               <a:t>Step 4: Design Strategy</a:t>
             </a:r>
-            <a:endParaRPr lang="en-US" dirty="0"/>
           </a:p>
         </p:txBody>
       </p:sp>
@@ -8302,7 +7988,7 @@
           <a:lstStyle/>
           <a:p>
             <a:r>
-              <a:rPr lang="en-US" sz="3200" dirty="0" smtClean="0"/>
+              <a:rPr lang="en-US" sz="3200" dirty="0"/>
               <a:t>Here is our starting list of strategies:</a:t>
             </a:r>
           </a:p>
@@ -8336,7 +8022,7 @@
           <a:lstStyle/>
           <a:p>
             <a:r>
-              <a:rPr lang="en-US" sz="2000" dirty="0" smtClean="0"/>
+              <a:rPr lang="en-US" sz="2000" dirty="0"/>
               <a:t>There will be more…</a:t>
             </a:r>
           </a:p>
@@ -8367,7 +8053,13 @@
                 <a:tableStyleId>{5C22544A-7EE6-4342-B048-85BDC9FD1C3A}</a:tableStyleId>
               </a:tblPr>
               <a:tblGrid>
-                <a:gridCol w="4953000"/>
+                <a:gridCol w="4953000">
+                  <a:extLst>
+                    <a:ext uri="{9D8B030D-6E8A-4147-A177-3AD203B41FA5}">
+                      <a16:colId xmlns:a16="http://schemas.microsoft.com/office/drawing/2014/main" val="20000"/>
+                    </a:ext>
+                  </a:extLst>
+                </a:gridCol>
               </a:tblGrid>
               <a:tr h="370840">
                 <a:tc>
@@ -8377,14 +8069,18 @@
                     <a:p>
                       <a:pPr algn="ctr"/>
                       <a:r>
-                        <a:rPr lang="en-US" sz="3200" dirty="0" smtClean="0"/>
+                        <a:rPr lang="en-US" sz="3200" dirty="0"/>
                         <a:t>Design Strategies</a:t>
                       </a:r>
-                      <a:endParaRPr lang="en-US" sz="3200" dirty="0"/>
                     </a:p>
                   </a:txBody>
                   <a:tcPr/>
                 </a:tc>
+                <a:extLst>
+                  <a:ext uri="{0D108BD9-81ED-4DB2-BD59-A6C34878D82A}">
+                    <a16:rowId xmlns:a16="http://schemas.microsoft.com/office/drawing/2014/main" val="10000"/>
+                  </a:ext>
+                </a:extLst>
               </a:tr>
               <a:tr h="370840">
                 <a:tc>
@@ -8393,11 +8089,11 @@
                     <a:lstStyle/>
                     <a:p>
                       <a:r>
-                        <a:rPr lang="en-US" sz="2400" dirty="0" smtClean="0"/>
+                        <a:rPr lang="en-US" sz="2400" dirty="0"/>
                         <a:t>1. Combine</a:t>
                       </a:r>
                       <a:r>
-                        <a:rPr lang="en-US" sz="2400" baseline="0" dirty="0" smtClean="0"/>
+                        <a:rPr lang="en-US" sz="2400" baseline="0" dirty="0"/>
                         <a:t> simpler functions</a:t>
                       </a:r>
                       <a:endParaRPr lang="en-US" sz="2400" dirty="0"/>
@@ -8405,6 +8101,11 @@
                   </a:txBody>
                   <a:tcPr/>
                 </a:tc>
+                <a:extLst>
+                  <a:ext uri="{0D108BD9-81ED-4DB2-BD59-A6C34878D82A}">
+                    <a16:rowId xmlns:a16="http://schemas.microsoft.com/office/drawing/2014/main" val="10001"/>
+                  </a:ext>
+                </a:extLst>
               </a:tr>
               <a:tr h="370840">
                 <a:tc>
@@ -8413,26 +8114,31 @@
                     <a:lstStyle/>
                     <a:p>
                       <a:r>
-                        <a:rPr lang="en-US" sz="2400" dirty="0" smtClean="0"/>
+                        <a:rPr lang="en-US" sz="2400" dirty="0"/>
                         <a:t>2.</a:t>
                       </a:r>
                       <a:r>
-                        <a:rPr lang="en-US" sz="2400" baseline="0" dirty="0" smtClean="0"/>
+                        <a:rPr lang="en-US" sz="2400" baseline="0" dirty="0"/>
                         <a:t> Use template for &lt;data </a:t>
                       </a:r>
                       <a:r>
-                        <a:rPr lang="en-US" sz="2400" baseline="0" dirty="0" err="1" smtClean="0"/>
+                        <a:rPr lang="en-US" sz="2400" baseline="0" dirty="0" err="1"/>
                         <a:t>def</a:t>
                       </a:r>
                       <a:r>
-                        <a:rPr lang="en-US" sz="2400" baseline="0" dirty="0" smtClean="0"/>
+                        <a:rPr lang="en-US" sz="2400" baseline="0" dirty="0"/>
                         <a:t>&gt;</a:t>
                       </a:r>
-                      <a:endParaRPr lang="en-US" sz="2400" dirty="0" smtClean="0"/>
+                      <a:endParaRPr lang="en-US" sz="2400" dirty="0"/>
                     </a:p>
                   </a:txBody>
                   <a:tcPr/>
                 </a:tc>
+                <a:extLst>
+                  <a:ext uri="{0D108BD9-81ED-4DB2-BD59-A6C34878D82A}">
+                    <a16:rowId xmlns:a16="http://schemas.microsoft.com/office/drawing/2014/main" val="10002"/>
+                  </a:ext>
+                </a:extLst>
               </a:tr>
               <a:tr h="370840">
                 <a:tc>
@@ -8441,14 +8147,18 @@
                     <a:lstStyle/>
                     <a:p>
                       <a:r>
-                        <a:rPr lang="en-US" sz="2400" dirty="0" smtClean="0"/>
+                        <a:rPr lang="en-US" sz="2400" dirty="0"/>
                         <a:t>3. Divide into cases on &lt;condition&gt;</a:t>
                       </a:r>
-                      <a:endParaRPr lang="en-US" sz="2400" dirty="0"/>
                     </a:p>
                   </a:txBody>
                   <a:tcPr/>
                 </a:tc>
+                <a:extLst>
+                  <a:ext uri="{0D108BD9-81ED-4DB2-BD59-A6C34878D82A}">
+                    <a16:rowId xmlns:a16="http://schemas.microsoft.com/office/drawing/2014/main" val="10003"/>
+                  </a:ext>
+                </a:extLst>
               </a:tr>
             </a:tbl>
           </a:graphicData>
@@ -8464,13 +8174,6 @@
   <p:clrMapOvr>
     <a:masterClrMapping/>
   </p:clrMapOvr>
-  <p:timing>
-    <p:tnLst>
-      <p:par>
-        <p:cTn id="1" dur="indefinite" restart="never" nodeType="tmRoot"/>
-      </p:par>
-    </p:tnLst>
-  </p:timing>
 </p:sld>
 </file>
 
@@ -8526,10 +8229,9 @@
           <a:p>
             <a:pPr algn="ctr"/>
             <a:r>
-              <a:rPr lang="en-US" dirty="0" smtClean="0"/>
+              <a:rPr lang="en-US" dirty="0"/>
               <a:t>Generalization</a:t>
             </a:r>
-            <a:endParaRPr lang="en-US" dirty="0"/>
           </a:p>
         </p:txBody>
       </p:sp>
@@ -8574,10 +8276,9 @@
           <a:p>
             <a:pPr algn="ctr"/>
             <a:r>
-              <a:rPr lang="en-US" dirty="0" smtClean="0"/>
+              <a:rPr lang="en-US" dirty="0"/>
               <a:t>Over Constants</a:t>
             </a:r>
-            <a:endParaRPr lang="en-US" dirty="0"/>
           </a:p>
         </p:txBody>
       </p:sp>
@@ -8622,7 +8323,7 @@
           <a:p>
             <a:pPr algn="ctr"/>
             <a:r>
-              <a:rPr lang="en-US" dirty="0" smtClean="0"/>
+              <a:rPr lang="en-US" dirty="0"/>
               <a:t>Over Expressions</a:t>
             </a:r>
           </a:p>
@@ -8669,10 +8370,9 @@
           <a:p>
             <a:pPr algn="ctr"/>
             <a:r>
-              <a:rPr lang="en-US" dirty="0" smtClean="0"/>
+              <a:rPr lang="en-US" dirty="0"/>
               <a:t>Over Contexts</a:t>
             </a:r>
-            <a:endParaRPr lang="en-US" dirty="0"/>
           </a:p>
         </p:txBody>
       </p:sp>
@@ -8717,10 +8417,9 @@
           <a:p>
             <a:pPr algn="ctr"/>
             <a:r>
-              <a:rPr lang="en-US" dirty="0" smtClean="0"/>
+              <a:rPr lang="en-US" dirty="0"/>
               <a:t>Over Data Representations</a:t>
             </a:r>
-            <a:endParaRPr lang="en-US" dirty="0"/>
           </a:p>
         </p:txBody>
       </p:sp>
@@ -8765,10 +8464,9 @@
           <a:p>
             <a:pPr algn="ctr"/>
             <a:r>
-              <a:rPr lang="en-US" dirty="0" smtClean="0"/>
+              <a:rPr lang="en-US" dirty="0"/>
               <a:t>Over Method Implementations</a:t>
             </a:r>
-            <a:endParaRPr lang="en-US" dirty="0"/>
           </a:p>
         </p:txBody>
       </p:sp>
@@ -8823,10 +8521,9 @@
             <a:p>
               <a:pPr algn="ctr"/>
               <a:r>
-                <a:rPr lang="en-US" dirty="0" smtClean="0"/>
+                <a:rPr lang="en-US" dirty="0"/>
                 <a:t>Mixed Data</a:t>
               </a:r>
-              <a:endParaRPr lang="en-US" dirty="0"/>
             </a:p>
           </p:txBody>
         </p:sp>
@@ -8865,10 +8562,9 @@
             <a:p>
               <a:pPr algn="ctr"/>
               <a:r>
-                <a:rPr lang="en-US" dirty="0" smtClean="0"/>
+                <a:rPr lang="en-US" dirty="0"/>
                 <a:t>Data Representations</a:t>
               </a:r>
-              <a:endParaRPr lang="en-US" dirty="0"/>
             </a:p>
           </p:txBody>
         </p:sp>
@@ -8913,10 +8609,9 @@
             <a:p>
               <a:pPr algn="ctr"/>
               <a:r>
-                <a:rPr lang="en-US" dirty="0" smtClean="0"/>
+                <a:rPr lang="en-US" dirty="0"/>
                 <a:t>Recursive Data</a:t>
               </a:r>
-              <a:endParaRPr lang="en-US" dirty="0"/>
             </a:p>
           </p:txBody>
         </p:sp>
@@ -8961,10 +8656,9 @@
             <a:p>
               <a:pPr algn="ctr"/>
               <a:r>
-                <a:rPr lang="en-US" dirty="0" smtClean="0"/>
+                <a:rPr lang="en-US" dirty="0"/>
                 <a:t>Functional Data</a:t>
               </a:r>
-              <a:endParaRPr lang="en-US" dirty="0"/>
             </a:p>
           </p:txBody>
         </p:sp>
@@ -9009,10 +8703,9 @@
             <a:p>
               <a:pPr algn="ctr"/>
               <a:r>
-                <a:rPr lang="en-US" dirty="0" smtClean="0"/>
+                <a:rPr lang="en-US" dirty="0"/>
                 <a:t>Objects &amp; Classes</a:t>
               </a:r>
-              <a:endParaRPr lang="en-US" dirty="0"/>
             </a:p>
           </p:txBody>
         </p:sp>
@@ -9057,14 +8750,13 @@
             <a:p>
               <a:pPr algn="ctr"/>
               <a:r>
-                <a:rPr lang="en-US" dirty="0" err="1" smtClean="0"/>
+                <a:rPr lang="en-US" dirty="0" err="1"/>
                 <a:t>Stateful</a:t>
               </a:r>
               <a:r>
-                <a:rPr lang="en-US" dirty="0" smtClean="0"/>
+                <a:rPr lang="en-US" dirty="0"/>
                 <a:t> Objects</a:t>
               </a:r>
-              <a:endParaRPr lang="en-US" dirty="0"/>
             </a:p>
           </p:txBody>
         </p:sp>
@@ -9189,10 +8881,9 @@
             <a:p>
               <a:pPr algn="ctr"/>
               <a:r>
-                <a:rPr lang="en-US" dirty="0" smtClean="0"/>
+                <a:rPr lang="en-US" dirty="0"/>
                 <a:t>Design Strategies</a:t>
               </a:r>
-              <a:endParaRPr lang="en-US" dirty="0"/>
             </a:p>
           </p:txBody>
         </p:sp>
@@ -9233,10 +8924,9 @@
             <a:p>
               <a:pPr algn="ctr"/>
               <a:r>
-                <a:rPr lang="en-US" dirty="0" smtClean="0"/>
+                <a:rPr lang="en-US" dirty="0"/>
                 <a:t>Combine simpler functions</a:t>
               </a:r>
-              <a:endParaRPr lang="en-US" dirty="0"/>
             </a:p>
           </p:txBody>
         </p:sp>
@@ -9281,10 +8971,9 @@
             <a:p>
               <a:pPr algn="ctr"/>
               <a:r>
-                <a:rPr lang="en-US" dirty="0" smtClean="0"/>
+                <a:rPr lang="en-US" dirty="0"/>
                 <a:t>Use a template</a:t>
               </a:r>
-              <a:endParaRPr lang="en-US" dirty="0"/>
             </a:p>
           </p:txBody>
         </p:sp>
@@ -9329,10 +9018,9 @@
             <a:p>
               <a:pPr algn="ctr"/>
               <a:r>
-                <a:rPr lang="en-US" dirty="0" smtClean="0"/>
+                <a:rPr lang="en-US" dirty="0"/>
                 <a:t>Divide into Cases</a:t>
               </a:r>
-              <a:endParaRPr lang="en-US" dirty="0"/>
             </a:p>
           </p:txBody>
         </p:sp>
@@ -9377,10 +9065,9 @@
             <a:p>
               <a:pPr algn="ctr"/>
               <a:r>
-                <a:rPr lang="en-US" dirty="0" smtClean="0"/>
+                <a:rPr lang="en-US" dirty="0"/>
                 <a:t>Call a more general function</a:t>
               </a:r>
-              <a:endParaRPr lang="en-US" dirty="0"/>
             </a:p>
           </p:txBody>
         </p:sp>
@@ -9425,14 +9112,9 @@
             <a:p>
               <a:pPr algn="ctr"/>
               <a:r>
-                <a:rPr lang="en-US" dirty="0" smtClean="0"/>
-                <a:t>Communicate </a:t>
+                <a:rPr lang="en-US" dirty="0"/>
+                <a:t>Communicate via State</a:t>
               </a:r>
-              <a:r>
-                <a:rPr lang="en-US" dirty="0" smtClean="0"/>
-                <a:t>via State</a:t>
-              </a:r>
-              <a:endParaRPr lang="en-US" dirty="0"/>
             </a:p>
           </p:txBody>
         </p:sp>
@@ -9807,7 +9489,7 @@
           <a:p>
             <a:pPr algn="ctr"/>
             <a:r>
-              <a:rPr lang="en-US" sz="4400" dirty="0" smtClean="0"/>
+              <a:rPr lang="en-US" sz="4400" dirty="0"/>
               <a:t>Module 01</a:t>
             </a:r>
             <a:endParaRPr lang="en-US" sz="4400" dirty="0">
@@ -10024,10 +9706,9 @@
           <a:p>
             <a:pPr algn="ctr"/>
             <a:r>
-              <a:rPr lang="en-US" dirty="0" smtClean="0"/>
+              <a:rPr lang="en-US" dirty="0"/>
               <a:t>Basics</a:t>
             </a:r>
-            <a:endParaRPr lang="en-US" dirty="0"/>
           </a:p>
         </p:txBody>
       </p:sp>
@@ -10041,13 +9722,6 @@
   <p:clrMapOvr>
     <a:masterClrMapping/>
   </p:clrMapOvr>
-  <p:timing>
-    <p:tnLst>
-      <p:par>
-        <p:cTn id="1" dur="indefinite" restart="never" nodeType="tmRoot"/>
-      </p:par>
-    </p:tnLst>
-  </p:timing>
 </p:sld>
 </file>
 
@@ -10084,10 +9758,9 @@
           <a:lstStyle/>
           <a:p>
             <a:r>
-              <a:rPr lang="en-US" dirty="0" smtClean="0"/>
+              <a:rPr lang="en-US" dirty="0"/>
               <a:t>Design Strategy for f2c</a:t>
             </a:r>
-            <a:endParaRPr lang="en-US" dirty="0"/>
           </a:p>
         </p:txBody>
       </p:sp>
@@ -10107,17 +9780,16 @@
           <a:lstStyle/>
           <a:p>
             <a:r>
-              <a:rPr lang="en-US" dirty="0" smtClean="0"/>
+              <a:rPr lang="en-US" dirty="0"/>
               <a:t>For f2c, the strategy we will use is “combine simpler functions”</a:t>
             </a:r>
           </a:p>
           <a:p>
             <a:pPr lvl="1"/>
             <a:r>
-              <a:rPr lang="en-US" dirty="0" smtClean="0"/>
+              <a:rPr lang="en-US" dirty="0"/>
               <a:t>this is, we'll just assemble our function from functions we already have on hand</a:t>
             </a:r>
-            <a:endParaRPr lang="en-US" dirty="0"/>
           </a:p>
         </p:txBody>
       </p:sp>
@@ -10150,13 +9822,6 @@
   <p:clrMapOvr>
     <a:masterClrMapping/>
   </p:clrMapOvr>
-  <p:timing>
-    <p:tnLst>
-      <p:par>
-        <p:cTn id="1" dur="indefinite" restart="never" nodeType="tmRoot"/>
-      </p:par>
-    </p:tnLst>
-  </p:timing>
 </p:sld>
 </file>
 
@@ -10193,10 +9858,9 @@
           <a:lstStyle/>
           <a:p>
             <a:r>
-              <a:rPr lang="en-US" dirty="0" smtClean="0"/>
+              <a:rPr lang="en-US" dirty="0"/>
               <a:t>Step 5: Function Definition</a:t>
             </a:r>
-            <a:endParaRPr lang="en-US" dirty="0"/>
           </a:p>
         </p:txBody>
       </p:sp>
@@ -10223,14 +9887,9 @@
                   <a:buNone/>
                 </a:pPr>
                 <a:r>
-                  <a:rPr lang="en-US" sz="2400" dirty="0" smtClean="0"/>
-                  <a:t>To define our function, we apply some external knowledge. </a:t>
+                  <a:rPr lang="en-US" sz="2400" dirty="0"/>
+                  <a:t>To define our function, we apply some external knowledge. We know that Fahrenheit and Celsius are related linearly, so the solution must be of the form </a:t>
                 </a:r>
-                <a:r>
-                  <a:rPr lang="en-US" sz="2400" dirty="0"/>
-                  <a:t>We know that Fahrenheit and Celsius are related linearly, so the solution must be of the form </a:t>
-                </a:r>
-                <a:endParaRPr lang="en-US" sz="2400" dirty="0" smtClean="0"/>
               </a:p>
               <a:p>
                 <a:pPr marL="0" indent="0" algn="ctr">
@@ -10298,23 +9957,14 @@
                   <a:rPr lang="en-US" sz="2400" dirty="0"/>
                   <a:t>.   </a:t>
                 </a:r>
-                <a:endParaRPr lang="en-US" sz="2400" dirty="0" smtClean="0"/>
               </a:p>
               <a:p>
                 <a:pPr marL="0" indent="0">
                   <a:buNone/>
                 </a:pPr>
                 <a:r>
-                  <a:rPr lang="en-US" sz="2400" dirty="0" smtClean="0"/>
-                  <a:t>So </a:t>
-                </a:r>
-                <a:r>
                   <a:rPr lang="en-US" sz="2400" dirty="0"/>
-                  <a:t>we take our two examples </a:t>
-                </a:r>
-                <a:r>
-                  <a:rPr lang="en-US" sz="2400" dirty="0" smtClean="0"/>
-                  <a:t>and get two simultaneous equations:</a:t>
+                  <a:t>So we take our two examples and get two simultaneous equations:</a:t>
                 </a:r>
               </a:p>
               <a:p>
@@ -10366,7 +10016,7 @@
                     </m:oMath>
                   </m:oMathPara>
                 </a14:m>
-                <a:endParaRPr lang="en-US" sz="2400" b="0" dirty="0" smtClean="0"/>
+                <a:endParaRPr lang="en-US" sz="2400" b="0" dirty="0"/>
               </a:p>
               <a:p>
                 <a:pPr marL="0" indent="0">
@@ -10417,34 +10067,34 @@
                     </m:oMath>
                   </m:oMathPara>
                 </a14:m>
-                <a:endParaRPr lang="en-US" sz="2400" b="0" dirty="0" smtClean="0"/>
+                <a:endParaRPr lang="en-US" sz="2400" b="0" dirty="0"/>
               </a:p>
               <a:p>
                 <a:pPr marL="0" indent="0">
                   <a:buNone/>
                 </a:pPr>
                 <a:r>
-                  <a:rPr lang="en-US" sz="2400" dirty="0" smtClean="0"/>
+                  <a:rPr lang="en-US" sz="2400" dirty="0"/>
                   <a:t>We solve for </a:t>
                 </a:r>
                 <a:r>
-                  <a:rPr lang="en-US" sz="2400" dirty="0" smtClean="0">
+                  <a:rPr lang="en-US" sz="2400" dirty="0">
                     <a:latin typeface="cmmi12"/>
                   </a:rPr>
                   <a:t>a</a:t>
                 </a:r>
                 <a:r>
-                  <a:rPr lang="en-US" sz="2400" dirty="0" smtClean="0"/>
+                  <a:rPr lang="en-US" sz="2400" dirty="0"/>
                   <a:t> and </a:t>
                 </a:r>
                 <a:r>
-                  <a:rPr lang="en-US" sz="2400" dirty="0" smtClean="0">
+                  <a:rPr lang="en-US" sz="2400" dirty="0">
                     <a:latin typeface="cmmi12"/>
                   </a:rPr>
                   <a:t>b</a:t>
                 </a:r>
                 <a:r>
-                  <a:rPr lang="en-US" sz="2400" dirty="0" smtClean="0"/>
+                  <a:rPr lang="en-US" sz="2400" dirty="0"/>
                   <a:t>, getting</a:t>
                 </a:r>
               </a:p>
@@ -10547,10 +10197,10 @@
                     </m:oMath>
                   </m:oMathPara>
                 </a14:m>
-                <a:endParaRPr lang="en-US" sz="2400" dirty="0" smtClean="0"/>
+                <a:endParaRPr lang="en-US" sz="2400" dirty="0"/>
               </a:p>
               <a:p>
-                <a:endParaRPr lang="en-US" sz="2400" dirty="0" smtClean="0">
+                <a:endParaRPr lang="en-US" sz="2400" dirty="0">
                   <a:cs typeface="Courier New" pitchFamily="49" charset="0"/>
                 </a:endParaRPr>
               </a:p>
@@ -10623,13 +10273,6 @@
   <p:clrMapOvr>
     <a:masterClrMapping/>
   </p:clrMapOvr>
-  <p:timing>
-    <p:tnLst>
-      <p:par>
-        <p:cTn id="1" dur="indefinite" restart="never" nodeType="tmRoot"/>
-      </p:par>
-    </p:tnLst>
-  </p:timing>
 </p:sld>
 </file>
 
@@ -10666,10 +10309,9 @@
           <a:lstStyle/>
           <a:p>
             <a:r>
-              <a:rPr lang="en-US" dirty="0" smtClean="0"/>
+              <a:rPr lang="en-US" dirty="0"/>
               <a:t>Function Definition</a:t>
             </a:r>
-            <a:endParaRPr lang="en-US" dirty="0"/>
           </a:p>
         </p:txBody>
       </p:sp>
@@ -10689,14 +10331,14 @@
           <a:lstStyle/>
           <a:p>
             <a:r>
-              <a:rPr lang="en-US" dirty="0" smtClean="0"/>
+              <a:rPr lang="en-US" dirty="0"/>
               <a:t>Now we can write the code.</a:t>
             </a:r>
           </a:p>
           <a:p>
             <a:pPr lvl="1"/>
             <a:r>
-              <a:rPr lang="en-US" dirty="0" smtClean="0"/>
+              <a:rPr lang="en-US" dirty="0"/>
               <a:t>Our code is just a transcription of the formula into Racket, using the fact that Racket has rational numbers.</a:t>
             </a:r>
           </a:p>
@@ -10725,7 +10367,7 @@
           <a:lstStyle/>
           <a:p>
             <a:r>
-              <a:rPr lang="it-IT" sz="2800" b="1" dirty="0" smtClean="0">
+              <a:rPr lang="it-IT" sz="2800" b="1" dirty="0">
                 <a:latin typeface="Consolas" pitchFamily="49" charset="0"/>
                 <a:cs typeface="Consolas" pitchFamily="49" charset="0"/>
               </a:rPr>
@@ -10734,7 +10376,7 @@
           </a:p>
           <a:p>
             <a:r>
-              <a:rPr lang="it-IT" sz="2800" b="1" dirty="0" smtClean="0">
+              <a:rPr lang="it-IT" sz="2800" b="1" dirty="0">
                 <a:latin typeface="Consolas" pitchFamily="49" charset="0"/>
                 <a:cs typeface="Consolas" pitchFamily="49" charset="0"/>
               </a:rPr>
@@ -10776,13 +10418,6 @@
   <p:clrMapOvr>
     <a:masterClrMapping/>
   </p:clrMapOvr>
-  <p:timing>
-    <p:tnLst>
-      <p:par>
-        <p:cTn id="1" dur="indefinite" restart="never" nodeType="tmRoot"/>
-      </p:par>
-    </p:tnLst>
-  </p:timing>
 </p:sld>
 </file>
 
@@ -10819,10 +10454,9 @@
           <a:lstStyle/>
           <a:p>
             <a:r>
-              <a:rPr lang="en-US" dirty="0" smtClean="0"/>
+              <a:rPr lang="en-US" dirty="0"/>
               <a:t>Step 6: Program Review</a:t>
             </a:r>
-            <a:endParaRPr lang="en-US" dirty="0"/>
           </a:p>
         </p:txBody>
       </p:sp>
@@ -10842,28 +10476,27 @@
           <a:lstStyle/>
           <a:p>
             <a:r>
-              <a:rPr lang="en-US" dirty="0" smtClean="0"/>
+              <a:rPr lang="en-US" dirty="0"/>
               <a:t>Did the tests pass? </a:t>
             </a:r>
           </a:p>
           <a:p>
             <a:r>
-              <a:rPr lang="en-US" dirty="0" smtClean="0"/>
+              <a:rPr lang="en-US" dirty="0"/>
               <a:t>Are the contracts accurate?</a:t>
             </a:r>
           </a:p>
           <a:p>
             <a:r>
-              <a:rPr lang="en-US" dirty="0" smtClean="0"/>
+              <a:rPr lang="en-US" dirty="0"/>
               <a:t>Are the purpose statements accurate?</a:t>
             </a:r>
           </a:p>
           <a:p>
             <a:r>
-              <a:rPr lang="en-US" dirty="0" smtClean="0"/>
+              <a:rPr lang="en-US" dirty="0"/>
               <a:t>Can the code be improved?</a:t>
             </a:r>
-            <a:endParaRPr lang="en-US" dirty="0"/>
           </a:p>
         </p:txBody>
       </p:sp>
@@ -10901,13 +10534,6 @@
   <p:clrMapOvr>
     <a:masterClrMapping/>
   </p:clrMapOvr>
-  <p:timing>
-    <p:tnLst>
-      <p:par>
-        <p:cTn id="1" dur="indefinite" restart="never" nodeType="tmRoot"/>
-      </p:par>
-    </p:tnLst>
-  </p:timing>
 </p:sld>
 </file>
 
@@ -10944,10 +10570,9 @@
           <a:lstStyle/>
           <a:p>
             <a:r>
-              <a:rPr lang="en-US" dirty="0" smtClean="0"/>
+              <a:rPr lang="en-US" dirty="0"/>
               <a:t>Summary</a:t>
             </a:r>
-            <a:endParaRPr lang="en-US" dirty="0"/>
           </a:p>
         </p:txBody>
       </p:sp>
@@ -10967,31 +10592,30 @@
           <a:lstStyle/>
           <a:p>
             <a:r>
-              <a:rPr lang="en-US" dirty="0" smtClean="0"/>
+              <a:rPr lang="en-US" dirty="0"/>
               <a:t>In this lesson, we have learned the steps of the Function Design Recipe.</a:t>
             </a:r>
           </a:p>
           <a:p>
             <a:pPr lvl="1"/>
             <a:r>
-              <a:rPr lang="en-US" dirty="0" smtClean="0"/>
+              <a:rPr lang="en-US" dirty="0"/>
               <a:t>6 steps</a:t>
             </a:r>
           </a:p>
           <a:p>
             <a:pPr lvl="1"/>
             <a:r>
-              <a:rPr lang="en-US" dirty="0" smtClean="0"/>
+              <a:rPr lang="en-US" dirty="0"/>
               <a:t>Gives a plan for attacking any programming problem</a:t>
             </a:r>
           </a:p>
           <a:p>
             <a:pPr lvl="1"/>
             <a:r>
-              <a:rPr lang="en-US" dirty="0" smtClean="0"/>
+              <a:rPr lang="en-US" dirty="0"/>
               <a:t>The single most important thing in this course!!</a:t>
             </a:r>
-            <a:endParaRPr lang="en-US" dirty="0"/>
           </a:p>
         </p:txBody>
       </p:sp>
@@ -11050,13 +10674,6 @@
   <p:clrMapOvr>
     <a:masterClrMapping/>
   </p:clrMapOvr>
-  <p:timing>
-    <p:tnLst>
-      <p:par>
-        <p:cTn id="1" dur="indefinite" restart="never" nodeType="tmRoot"/>
-      </p:par>
-    </p:tnLst>
-  </p:timing>
 </p:sld>
 </file>
 
@@ -11093,10 +10710,9 @@
           <a:lstStyle/>
           <a:p>
             <a:r>
-              <a:rPr lang="en-US" dirty="0" smtClean="0"/>
+              <a:rPr lang="en-US" dirty="0"/>
               <a:t>Next Steps</a:t>
             </a:r>
-            <a:endParaRPr lang="en-US" dirty="0"/>
           </a:p>
         </p:txBody>
       </p:sp>
@@ -11116,29 +10732,28 @@
           <a:lstStyle/>
           <a:p>
             <a:r>
-              <a:rPr lang="en-US" dirty="0" smtClean="0"/>
+              <a:rPr lang="en-US" dirty="0"/>
               <a:t>Review 01-1-f2c.rkt in the Examples folder.</a:t>
             </a:r>
           </a:p>
           <a:p>
             <a:pPr lvl="1"/>
             <a:r>
-              <a:rPr lang="en-US" dirty="0" smtClean="0"/>
+              <a:rPr lang="en-US" dirty="0"/>
               <a:t>Download and run it.  Make some changes.  What happens when you change the file?</a:t>
             </a:r>
           </a:p>
           <a:p>
             <a:r>
-              <a:rPr lang="en-US" dirty="0" smtClean="0"/>
+              <a:rPr lang="en-US" dirty="0"/>
               <a:t>If you have questions about this lesson, post them on Piazza.</a:t>
             </a:r>
           </a:p>
           <a:p>
             <a:r>
-              <a:rPr lang="en-US" dirty="0" smtClean="0"/>
+              <a:rPr lang="en-US" dirty="0"/>
               <a:t>Go on to the next lesson.</a:t>
             </a:r>
-            <a:endParaRPr lang="en-US" dirty="0"/>
           </a:p>
         </p:txBody>
       </p:sp>
@@ -11176,13 +10791,6 @@
   <p:clrMapOvr>
     <a:masterClrMapping/>
   </p:clrMapOvr>
-  <p:timing>
-    <p:tnLst>
-      <p:par>
-        <p:cTn id="1" dur="indefinite" restart="never" nodeType="tmRoot"/>
-      </p:par>
-    </p:tnLst>
-  </p:timing>
 </p:sld>
 </file>
 
@@ -11219,10 +10827,9 @@
           <a:lstStyle/>
           <a:p>
             <a:r>
-              <a:rPr lang="en-US" dirty="0" smtClean="0"/>
+              <a:rPr lang="en-US" dirty="0"/>
               <a:t>Learning Objectives</a:t>
             </a:r>
-            <a:endParaRPr lang="en-US" dirty="0"/>
           </a:p>
         </p:txBody>
       </p:sp>
@@ -11242,31 +10849,30 @@
           <a:lstStyle/>
           <a:p>
             <a:r>
-              <a:rPr lang="en-US" dirty="0" smtClean="0"/>
+              <a:rPr lang="en-US" dirty="0"/>
               <a:t>By the time you complete this lesson, you should be able to:</a:t>
             </a:r>
           </a:p>
           <a:p>
             <a:pPr lvl="1"/>
             <a:r>
-              <a:rPr lang="en-US" dirty="0" smtClean="0"/>
+              <a:rPr lang="en-US" dirty="0"/>
               <a:t>list the 6 steps of the Function Design Recipe</a:t>
             </a:r>
           </a:p>
           <a:p>
             <a:pPr lvl="1"/>
             <a:r>
-              <a:rPr lang="en-US" dirty="0" smtClean="0"/>
+              <a:rPr lang="en-US" dirty="0"/>
               <a:t>briefly explain what each step is.</a:t>
             </a:r>
           </a:p>
           <a:p>
             <a:pPr lvl="1"/>
             <a:r>
-              <a:rPr lang="en-US" dirty="0" smtClean="0"/>
+              <a:rPr lang="en-US" dirty="0"/>
               <a:t>explain the difference between information and data, and explain the role of representation and interpretation.</a:t>
             </a:r>
-            <a:endParaRPr lang="en-US" dirty="0"/>
           </a:p>
         </p:txBody>
       </p:sp>
@@ -11304,13 +10910,6 @@
   <p:clrMapOvr>
     <a:masterClrMapping/>
   </p:clrMapOvr>
-  <p:timing>
-    <p:tnLst>
-      <p:par>
-        <p:cTn id="1" dur="indefinite" restart="never" nodeType="tmRoot"/>
-      </p:par>
-    </p:tnLst>
-  </p:timing>
 </p:sld>
 </file>
 
@@ -11347,10 +10946,9 @@
           <a:lstStyle/>
           <a:p>
             <a:r>
-              <a:rPr lang="en-US" dirty="0" smtClean="0"/>
+              <a:rPr lang="en-US" dirty="0"/>
               <a:t>The function design recipe</a:t>
             </a:r>
-            <a:endParaRPr lang="en-US" dirty="0"/>
           </a:p>
         </p:txBody>
       </p:sp>
@@ -11373,38 +10971,26 @@
           <a:p>
             <a:r>
               <a:rPr lang="en-US" dirty="0"/>
-              <a:t>The function design recipe is the most important thing in this course.  It is the basis for everything we do</a:t>
-            </a:r>
-            <a:r>
-              <a:rPr lang="en-US" dirty="0" smtClean="0"/>
-              <a:t>.</a:t>
-            </a:r>
-            <a:endParaRPr lang="en-US" dirty="0"/>
+              <a:t>The function design recipe is the most important thing in this course.  It is the basis for everything we do.</a:t>
+            </a:r>
           </a:p>
           <a:p>
             <a:r>
               <a:rPr lang="en-US" dirty="0"/>
-              <a:t>It will give you a framework for attacking any programming problem, in any language.  Indeed, students have reported that they have found it useful in other courses, and even in their everyday life</a:t>
-            </a:r>
-            <a:r>
-              <a:rPr lang="en-US" dirty="0" smtClean="0"/>
-              <a:t>.</a:t>
-            </a:r>
-            <a:endParaRPr lang="en-US" dirty="0"/>
+              <a:t>It will give you a framework for attacking any programming problem, in any language.  Indeed, students have reported that they have found it useful in other courses, and even in their everyday life.</a:t>
+            </a:r>
           </a:p>
           <a:p>
             <a:r>
               <a:rPr lang="en-US" dirty="0"/>
               <a:t>With the recipe, you need never stare at an empty sheet of paper again. </a:t>
             </a:r>
-            <a:endParaRPr lang="en-US" dirty="0" smtClean="0"/>
-          </a:p>
-          <a:p>
-            <a:r>
-              <a:rPr lang="en-US" dirty="0" smtClean="0"/>
+          </a:p>
+          <a:p>
+            <a:r>
+              <a:rPr lang="en-US" dirty="0"/>
               <a:t>Here it is:</a:t>
             </a:r>
-            <a:endParaRPr lang="en-US" dirty="0"/>
           </a:p>
         </p:txBody>
       </p:sp>
@@ -11442,13 +11028,6 @@
   <p:clrMapOvr>
     <a:masterClrMapping/>
   </p:clrMapOvr>
-  <p:timing>
-    <p:tnLst>
-      <p:par>
-        <p:cTn id="1" dur="indefinite" restart="never" nodeType="tmRoot"/>
-      </p:par>
-    </p:tnLst>
-  </p:timing>
 </p:sld>
 </file>
 
@@ -11485,10 +11064,9 @@
           <a:lstStyle/>
           <a:p>
             <a:r>
-              <a:rPr lang="en-US" dirty="0" smtClean="0"/>
+              <a:rPr lang="en-US" dirty="0"/>
               <a:t>The Function Design Recipe</a:t>
             </a:r>
-            <a:endParaRPr lang="en-US" dirty="0"/>
           </a:p>
         </p:txBody>
       </p:sp>
@@ -11514,7 +11092,13 @@
                 <a:tableStyleId>{5C22544A-7EE6-4342-B048-85BDC9FD1C3A}</a:tableStyleId>
               </a:tblPr>
               <a:tblGrid>
-                <a:gridCol w="8229600"/>
+                <a:gridCol w="8229600">
+                  <a:extLst>
+                    <a:ext uri="{9D8B030D-6E8A-4147-A177-3AD203B41FA5}">
+                      <a16:colId xmlns:a16="http://schemas.microsoft.com/office/drawing/2014/main" val="20000"/>
+                    </a:ext>
+                  </a:extLst>
+                </a:gridCol>
               </a:tblGrid>
               <a:tr h="370840">
                 <a:tc>
@@ -11524,14 +11108,18 @@
                     <a:p>
                       <a:pPr algn="ctr"/>
                       <a:r>
-                        <a:rPr lang="en-US" sz="3200" dirty="0" smtClean="0"/>
+                        <a:rPr lang="en-US" sz="3200" dirty="0"/>
                         <a:t>The Function Design Recipe</a:t>
                       </a:r>
-                      <a:endParaRPr lang="en-US" sz="3200" dirty="0"/>
                     </a:p>
                   </a:txBody>
                   <a:tcPr/>
                 </a:tc>
+                <a:extLst>
+                  <a:ext uri="{0D108BD9-81ED-4DB2-BD59-A6C34878D82A}">
+                    <a16:rowId xmlns:a16="http://schemas.microsoft.com/office/drawing/2014/main" val="10000"/>
+                  </a:ext>
+                </a:extLst>
               </a:tr>
               <a:tr h="370840">
                 <a:tc>
@@ -11540,14 +11128,18 @@
                     <a:lstStyle/>
                     <a:p>
                       <a:r>
-                        <a:rPr lang="en-US" sz="3200" dirty="0" smtClean="0"/>
+                        <a:rPr lang="en-US" sz="3200" dirty="0"/>
                         <a:t>1. Data Design</a:t>
                       </a:r>
-                      <a:endParaRPr lang="en-US" sz="3200" dirty="0"/>
                     </a:p>
                   </a:txBody>
                   <a:tcPr/>
                 </a:tc>
+                <a:extLst>
+                  <a:ext uri="{0D108BD9-81ED-4DB2-BD59-A6C34878D82A}">
+                    <a16:rowId xmlns:a16="http://schemas.microsoft.com/office/drawing/2014/main" val="10001"/>
+                  </a:ext>
+                </a:extLst>
               </a:tr>
               <a:tr h="370840">
                 <a:tc>
@@ -11556,14 +11148,18 @@
                     <a:lstStyle/>
                     <a:p>
                       <a:r>
-                        <a:rPr lang="en-US" sz="3200" dirty="0" smtClean="0"/>
+                        <a:rPr lang="en-US" sz="3200" dirty="0"/>
                         <a:t>2. Contract and Purpose Statement</a:t>
                       </a:r>
-                      <a:endParaRPr lang="en-US" sz="3200" dirty="0"/>
                     </a:p>
                   </a:txBody>
                   <a:tcPr/>
                 </a:tc>
+                <a:extLst>
+                  <a:ext uri="{0D108BD9-81ED-4DB2-BD59-A6C34878D82A}">
+                    <a16:rowId xmlns:a16="http://schemas.microsoft.com/office/drawing/2014/main" val="10002"/>
+                  </a:ext>
+                </a:extLst>
               </a:tr>
               <a:tr h="370840">
                 <a:tc>
@@ -11572,11 +11168,11 @@
                     <a:lstStyle/>
                     <a:p>
                       <a:r>
-                        <a:rPr lang="en-US" sz="3200" dirty="0" smtClean="0"/>
+                        <a:rPr lang="en-US" sz="3200" dirty="0"/>
                         <a:t>3.</a:t>
                       </a:r>
                       <a:r>
-                        <a:rPr lang="en-US" sz="3200" baseline="0" dirty="0" smtClean="0"/>
+                        <a:rPr lang="en-US" sz="3200" baseline="0" dirty="0"/>
                         <a:t> Examples and Tests</a:t>
                       </a:r>
                       <a:endParaRPr lang="en-US" sz="3200" dirty="0"/>
@@ -11584,6 +11180,11 @@
                   </a:txBody>
                   <a:tcPr/>
                 </a:tc>
+                <a:extLst>
+                  <a:ext uri="{0D108BD9-81ED-4DB2-BD59-A6C34878D82A}">
+                    <a16:rowId xmlns:a16="http://schemas.microsoft.com/office/drawing/2014/main" val="10003"/>
+                  </a:ext>
+                </a:extLst>
               </a:tr>
               <a:tr h="370840">
                 <a:tc>
@@ -11592,13 +11193,18 @@
                     <a:lstStyle/>
                     <a:p>
                       <a:r>
-                        <a:rPr lang="en-US" sz="3200" dirty="0" smtClean="0"/>
+                        <a:rPr lang="en-US" sz="3200" dirty="0"/>
                         <a:t>4. Design Strategy</a:t>
                       </a:r>
                     </a:p>
                   </a:txBody>
                   <a:tcPr/>
                 </a:tc>
+                <a:extLst>
+                  <a:ext uri="{0D108BD9-81ED-4DB2-BD59-A6C34878D82A}">
+                    <a16:rowId xmlns:a16="http://schemas.microsoft.com/office/drawing/2014/main" val="10004"/>
+                  </a:ext>
+                </a:extLst>
               </a:tr>
               <a:tr h="370840">
                 <a:tc>
@@ -11607,14 +11213,18 @@
                     <a:lstStyle/>
                     <a:p>
                       <a:r>
-                        <a:rPr lang="en-US" sz="3200" dirty="0" smtClean="0"/>
+                        <a:rPr lang="en-US" sz="3200" dirty="0"/>
                         <a:t>5. Function Definition</a:t>
                       </a:r>
-                      <a:endParaRPr lang="en-US" sz="3200" dirty="0"/>
                     </a:p>
                   </a:txBody>
                   <a:tcPr/>
                 </a:tc>
+                <a:extLst>
+                  <a:ext uri="{0D108BD9-81ED-4DB2-BD59-A6C34878D82A}">
+                    <a16:rowId xmlns:a16="http://schemas.microsoft.com/office/drawing/2014/main" val="10005"/>
+                  </a:ext>
+                </a:extLst>
               </a:tr>
               <a:tr h="370840">
                 <a:tc>
@@ -11623,11 +11233,11 @@
                     <a:lstStyle/>
                     <a:p>
                       <a:r>
-                        <a:rPr lang="en-US" sz="3200" dirty="0" smtClean="0"/>
+                        <a:rPr lang="en-US" sz="3200" dirty="0"/>
                         <a:t>6. Program</a:t>
                       </a:r>
                       <a:r>
-                        <a:rPr lang="en-US" sz="3200" baseline="0" dirty="0" smtClean="0"/>
+                        <a:rPr lang="en-US" sz="3200" baseline="0" dirty="0"/>
                         <a:t> Review</a:t>
                       </a:r>
                       <a:endParaRPr lang="en-US" sz="3200" dirty="0"/>
@@ -11635,6 +11245,11 @@
                   </a:txBody>
                   <a:tcPr/>
                 </a:tc>
+                <a:extLst>
+                  <a:ext uri="{0D108BD9-81ED-4DB2-BD59-A6C34878D82A}">
+                    <a16:rowId xmlns:a16="http://schemas.microsoft.com/office/drawing/2014/main" val="10006"/>
+                  </a:ext>
+                </a:extLst>
               </a:tr>
             </a:tbl>
           </a:graphicData>
@@ -11691,10 +11306,9 @@
           <a:lstStyle/>
           <a:p>
             <a:r>
-              <a:rPr lang="en-US" sz="2000" i="1" dirty="0" smtClean="0"/>
+              <a:rPr lang="en-US" sz="2000" i="1" dirty="0"/>
               <a:t>This is important.  Write it down, in your own handwriting.  Keep it with you at all times.  Put it on your mirror.  Put it under your pillow.  I’m not kidding!</a:t>
             </a:r>
-            <a:endParaRPr lang="en-US" sz="2000" i="1" dirty="0"/>
           </a:p>
         </p:txBody>
       </p:sp>
@@ -11857,10 +11471,9 @@
           <a:lstStyle/>
           <a:p>
             <a:r>
-              <a:rPr lang="en-US" dirty="0" smtClean="0"/>
+              <a:rPr lang="en-US" dirty="0"/>
               <a:t>A Function Designed According to the Recipe</a:t>
             </a:r>
-            <a:endParaRPr lang="en-US" dirty="0"/>
           </a:p>
         </p:txBody>
       </p:sp>
@@ -11909,21 +11522,8 @@
           <a:p>
             <a:r>
               <a:rPr lang="en-US" sz="1600" dirty="0"/>
-              <a:t>;; f2c: </a:t>
-            </a:r>
-            <a:r>
-              <a:rPr lang="en-US" sz="1600" dirty="0" smtClean="0"/>
-              <a:t>Real </a:t>
-            </a:r>
-            <a:r>
-              <a:rPr lang="en-US" sz="1600" dirty="0"/>
-              <a:t>-&gt; </a:t>
-            </a:r>
-            <a:r>
-              <a:rPr lang="en-US" sz="1600" dirty="0" smtClean="0"/>
-              <a:t>Real          </a:t>
-            </a:r>
-            <a:endParaRPr lang="en-US" sz="1600" dirty="0"/>
+              <a:t>;; f2c: Real -&gt; Real          </a:t>
+            </a:r>
           </a:p>
           <a:p>
             <a:r>
@@ -11985,10 +11585,9 @@
               <a:t>;; DESIGN STRATEGY: </a:t>
             </a:r>
             <a:r>
-              <a:rPr lang="en-US" sz="1600" dirty="0" smtClean="0"/>
+              <a:rPr lang="en-US" sz="1600" dirty="0"/>
               <a:t>Combine simpler functions</a:t>
             </a:r>
-            <a:endParaRPr lang="en-US" sz="1600" dirty="0"/>
           </a:p>
           <a:p>
             <a:endParaRPr lang="en-US" sz="1600" dirty="0"/>
@@ -12015,64 +11614,26 @@
                   <a:srgbClr val="FF0000"/>
                 </a:solidFill>
               </a:rPr>
-              <a:t>;; </a:t>
-            </a:r>
-            <a:r>
-              <a:rPr lang="en-US" sz="1600" dirty="0" smtClean="0">
-                <a:solidFill>
-                  <a:srgbClr val="FF0000"/>
-                </a:solidFill>
-              </a:rPr>
-              <a:t>TESTS</a:t>
-            </a:r>
-          </a:p>
-          <a:p>
-            <a:r>
-              <a:rPr lang="en-US" sz="1600" dirty="0" smtClean="0"/>
+              <a:t>;; TESTS</a:t>
+            </a:r>
+          </a:p>
+          <a:p>
+            <a:r>
+              <a:rPr lang="en-US" sz="1600" dirty="0"/>
               <a:t>(begin-for-test</a:t>
             </a:r>
-            <a:endParaRPr lang="en-US" sz="1600" dirty="0"/>
-          </a:p>
-          <a:p>
-            <a:r>
-              <a:rPr lang="en-US" sz="1600" dirty="0" smtClean="0"/>
-              <a:t> (</a:t>
-            </a:r>
+          </a:p>
+          <a:p>
             <a:r>
               <a:rPr lang="en-US" sz="1600" dirty="0"/>
-              <a:t>check-equal? (f2c 32) </a:t>
-            </a:r>
-            <a:r>
-              <a:rPr lang="en-US" sz="1600" dirty="0" smtClean="0"/>
-              <a:t>0 "32 </a:t>
-            </a:r>
+              <a:t> (check-equal? (f2c 32) 0 "32 Fahrenheit should be 0 Celsius")</a:t>
+            </a:r>
+          </a:p>
+          <a:p>
             <a:r>
               <a:rPr lang="en-US" sz="1600" dirty="0"/>
-              <a:t>Fahrenheit should be 0 Celsius")</a:t>
-            </a:r>
-          </a:p>
-          <a:p>
-            <a:r>
-              <a:rPr lang="en-US" sz="1600" dirty="0" smtClean="0"/>
-              <a:t> (</a:t>
-            </a:r>
-            <a:r>
-              <a:rPr lang="en-US" sz="1600" dirty="0"/>
-              <a:t>check-equal? (f2c 212) 100 </a:t>
-            </a:r>
-            <a:r>
-              <a:rPr lang="en-US" sz="1600" dirty="0" smtClean="0"/>
-              <a:t>"</a:t>
-            </a:r>
-            <a:r>
-              <a:rPr lang="en-US" sz="1600" dirty="0"/>
-              <a:t>212 Fahrenheit should be 100 Celsius</a:t>
-            </a:r>
-            <a:r>
-              <a:rPr lang="en-US" sz="1600" dirty="0" smtClean="0"/>
-              <a:t>"))</a:t>
-            </a:r>
-            <a:endParaRPr lang="en-US" sz="1600" dirty="0"/>
+              <a:t> (check-equal? (f2c 212) 100 "212 Fahrenheit should be 100 Celsius"))</a:t>
+            </a:r>
           </a:p>
         </p:txBody>
       </p:sp>
@@ -12128,7 +11689,7 @@
           <a:lstStyle/>
           <a:p>
             <a:r>
-              <a:rPr lang="en-US" dirty="0" smtClean="0"/>
+              <a:rPr lang="en-US" dirty="0"/>
               <a:t>Contract (or Signature)</a:t>
             </a:r>
           </a:p>
@@ -12291,7 +11852,7 @@
           <a:lstStyle/>
           <a:p>
             <a:r>
-              <a:rPr lang="en-US" dirty="0" smtClean="0"/>
+              <a:rPr lang="en-US" dirty="0"/>
               <a:t>Purpose Statement</a:t>
             </a:r>
           </a:p>
@@ -12452,7 +12013,7 @@
           <a:lstStyle/>
           <a:p>
             <a:r>
-              <a:rPr lang="en-US" dirty="0" smtClean="0"/>
+              <a:rPr lang="en-US" dirty="0"/>
               <a:t>Examples</a:t>
             </a:r>
           </a:p>
@@ -12486,7 +12047,7 @@
           <a:lstStyle/>
           <a:p>
             <a:r>
-              <a:rPr lang="en-US" dirty="0" smtClean="0"/>
+              <a:rPr lang="en-US" dirty="0"/>
               <a:t>Function Definition</a:t>
             </a:r>
           </a:p>
@@ -12603,7 +12164,7 @@
           <a:lstStyle/>
           <a:p>
             <a:r>
-              <a:rPr lang="en-US" dirty="0" smtClean="0"/>
+              <a:rPr lang="en-US" dirty="0"/>
               <a:t>Information Analysis and Data Design (none in this example)</a:t>
             </a:r>
           </a:p>
@@ -12730,7 +12291,7 @@
           <a:lstStyle/>
           <a:p>
             <a:r>
-              <a:rPr lang="en-US" dirty="0" smtClean="0"/>
+              <a:rPr lang="en-US" dirty="0"/>
               <a:t>Design Strategy</a:t>
             </a:r>
           </a:p>
@@ -12950,7 +12511,7 @@
           <a:lstStyle/>
           <a:p>
             <a:r>
-              <a:rPr lang="en-US" dirty="0" smtClean="0"/>
+              <a:rPr lang="en-US" dirty="0"/>
               <a:t>Tests</a:t>
             </a:r>
           </a:p>
@@ -13049,13 +12610,6 @@
   <p:clrMapOvr>
     <a:masterClrMapping/>
   </p:clrMapOvr>
-  <p:timing>
-    <p:tnLst>
-      <p:par>
-        <p:cTn id="1" dur="indefinite" restart="never" nodeType="tmRoot"/>
-      </p:par>
-    </p:tnLst>
-  </p:timing>
 </p:sld>
 </file>
 
@@ -13092,10 +12646,9 @@
           <a:lstStyle/>
           <a:p>
             <a:r>
-              <a:rPr lang="en-US" dirty="0" smtClean="0"/>
+              <a:rPr lang="en-US" dirty="0"/>
               <a:t>The recipe is a recipe</a:t>
             </a:r>
-            <a:endParaRPr lang="en-US" dirty="0"/>
           </a:p>
         </p:txBody>
       </p:sp>
@@ -13115,17 +12668,17 @@
           <a:lstStyle/>
           <a:p>
             <a:r>
-              <a:rPr lang="en-US" dirty="0" smtClean="0"/>
+              <a:rPr lang="en-US" dirty="0"/>
               <a:t>It’s not just a list of components</a:t>
             </a:r>
           </a:p>
           <a:p>
             <a:r>
-              <a:rPr lang="en-US" dirty="0" smtClean="0"/>
+              <a:rPr lang="en-US" dirty="0"/>
               <a:t>It tells you the </a:t>
             </a:r>
             <a:r>
-              <a:rPr lang="en-US" i="1" dirty="0" smtClean="0">
+              <a:rPr lang="en-US" i="1" dirty="0">
                 <a:solidFill>
                   <a:srgbClr val="FF0000"/>
                 </a:solidFill>
@@ -13133,23 +12686,23 @@
               <a:t>order</a:t>
             </a:r>
             <a:r>
-              <a:rPr lang="en-US" dirty="0" smtClean="0"/>
+              <a:rPr lang="en-US" dirty="0"/>
               <a:t> in which you should do them.</a:t>
             </a:r>
           </a:p>
           <a:p>
             <a:r>
-              <a:rPr lang="en-US" dirty="0" smtClean="0"/>
+              <a:rPr lang="en-US" dirty="0"/>
               <a:t>Each step depends on the preceding ones.</a:t>
             </a:r>
           </a:p>
           <a:p>
             <a:r>
-              <a:rPr lang="en-US" dirty="0" smtClean="0"/>
+              <a:rPr lang="en-US" dirty="0"/>
               <a:t>If you do them out of order, you </a:t>
             </a:r>
             <a:r>
-              <a:rPr lang="en-US" i="1" dirty="0" smtClean="0">
+              <a:rPr lang="en-US" i="1" dirty="0">
                 <a:solidFill>
                   <a:srgbClr val="FF0000"/>
                 </a:solidFill>
@@ -13157,7 +12710,7 @@
               <a:t>will</a:t>
             </a:r>
             <a:r>
-              <a:rPr lang="en-US" dirty="0" smtClean="0">
+              <a:rPr lang="en-US" dirty="0">
                 <a:solidFill>
                   <a:srgbClr val="FF0000"/>
                 </a:solidFill>
@@ -13165,7 +12718,7 @@
               <a:t> </a:t>
             </a:r>
             <a:r>
-              <a:rPr lang="en-US" dirty="0" smtClean="0"/>
+              <a:rPr lang="en-US" dirty="0"/>
               <a:t>get in trouble (trust me!)</a:t>
             </a:r>
           </a:p>
@@ -13226,7 +12779,7 @@
           <a:lstStyle/>
           <a:p>
             <a:r>
-              <a:rPr lang="en-US" sz="2400" i="1" dirty="0" smtClean="0"/>
+              <a:rPr lang="en-US" sz="2400" i="1" dirty="0"/>
               <a:t>In the rest of this lesson, we will discuss each step in turn, illustrating them using our f2c example.</a:t>
             </a:r>
           </a:p>
@@ -13242,13 +12795,6 @@
   <p:clrMapOvr>
     <a:masterClrMapping/>
   </p:clrMapOvr>
-  <p:timing>
-    <p:tnLst>
-      <p:par>
-        <p:cTn id="1" dur="indefinite" restart="never" nodeType="tmRoot"/>
-      </p:par>
-    </p:tnLst>
-  </p:timing>
 </p:sld>
 </file>
 
@@ -13287,10 +12833,9 @@
           <a:lstStyle/>
           <a:p>
             <a:r>
-              <a:rPr lang="en-US" dirty="0" smtClean="0"/>
+              <a:rPr lang="en-US" dirty="0"/>
               <a:t>Step 1: Information Analysis and Data Design</a:t>
             </a:r>
-            <a:endParaRPr lang="en-US" dirty="0"/>
           </a:p>
         </p:txBody>
       </p:sp>
@@ -13310,7 +12855,7 @@
           <a:lstStyle/>
           <a:p>
             <a:r>
-              <a:rPr lang="en-US" dirty="0" smtClean="0"/>
+              <a:rPr lang="en-US" dirty="0"/>
               <a:t>Information is what lives in the real world.  To do this step, you need to do 3 things:</a:t>
             </a:r>
           </a:p>
@@ -13320,11 +12865,11 @@
               <a:buAutoNum type="arabicPeriod"/>
             </a:pPr>
             <a:r>
-              <a:rPr lang="en-US" dirty="0" smtClean="0"/>
+              <a:rPr lang="en-US" dirty="0"/>
               <a:t>You need to decide </a:t>
             </a:r>
             <a:r>
-              <a:rPr lang="en-US" i="1" dirty="0" smtClean="0">
+              <a:rPr lang="en-US" i="1" dirty="0">
                 <a:solidFill>
                   <a:srgbClr val="FF0000"/>
                 </a:solidFill>
@@ -13332,7 +12877,7 @@
               <a:t>what part </a:t>
             </a:r>
             <a:r>
-              <a:rPr lang="en-US" dirty="0" smtClean="0"/>
+              <a:rPr lang="en-US" dirty="0"/>
               <a:t>of that information needs to be represented as data.</a:t>
             </a:r>
           </a:p>
@@ -13342,11 +12887,11 @@
               <a:buAutoNum type="arabicPeriod"/>
             </a:pPr>
             <a:r>
-              <a:rPr lang="en-US" dirty="0" smtClean="0"/>
+              <a:rPr lang="en-US" dirty="0"/>
               <a:t>You need to decide </a:t>
             </a:r>
             <a:r>
-              <a:rPr lang="en-US" i="1" dirty="0" smtClean="0">
+              <a:rPr lang="en-US" i="1" dirty="0">
                 <a:solidFill>
                   <a:srgbClr val="FF0000"/>
                 </a:solidFill>
@@ -13354,7 +12899,7 @@
               <a:t>how</a:t>
             </a:r>
             <a:r>
-              <a:rPr lang="en-US" dirty="0" smtClean="0"/>
+              <a:rPr lang="en-US" dirty="0"/>
               <a:t> that information will be represented as data</a:t>
             </a:r>
           </a:p>
@@ -13364,11 +12909,11 @@
               <a:buAutoNum type="arabicPeriod"/>
             </a:pPr>
             <a:r>
-              <a:rPr lang="en-US" dirty="0" smtClean="0"/>
+              <a:rPr lang="en-US" dirty="0"/>
               <a:t>You need to document how to </a:t>
             </a:r>
             <a:r>
-              <a:rPr lang="en-US" i="1" dirty="0" smtClean="0">
+              <a:rPr lang="en-US" i="1" dirty="0">
                 <a:solidFill>
                   <a:srgbClr val="FF0000"/>
                 </a:solidFill>
@@ -13376,10 +12921,9 @@
               <a:t>interpret</a:t>
             </a:r>
             <a:r>
-              <a:rPr lang="en-US" dirty="0" smtClean="0"/>
+              <a:rPr lang="en-US" dirty="0"/>
               <a:t> the data as information</a:t>
             </a:r>
-            <a:endParaRPr lang="en-US" dirty="0"/>
           </a:p>
         </p:txBody>
       </p:sp>
@@ -13412,13 +12956,6 @@
   <p:clrMapOvr>
     <a:masterClrMapping/>
   </p:clrMapOvr>
-  <p:timing>
-    <p:tnLst>
-      <p:par>
-        <p:cTn id="1" dur="indefinite" restart="never" nodeType="tmRoot"/>
-      </p:par>
-    </p:tnLst>
-  </p:timing>
 </p:sld>
 </file>
 
@@ -13457,10 +12994,9 @@
           <a:lstStyle/>
           <a:p>
             <a:r>
-              <a:rPr lang="en-US" dirty="0" smtClean="0"/>
+              <a:rPr lang="en-US" dirty="0"/>
               <a:t>The relation between information and data</a:t>
             </a:r>
-            <a:endParaRPr lang="en-US" dirty="0"/>
           </a:p>
         </p:txBody>
       </p:sp>
@@ -13516,18 +13052,13 @@
             <a:p>
               <a:pPr algn="ctr"/>
               <a:r>
-                <a:rPr lang="en-US" sz="3200" dirty="0" smtClean="0">
+                <a:rPr lang="en-US" sz="3200" dirty="0">
                   <a:solidFill>
                     <a:schemeClr val="tx1"/>
                   </a:solidFill>
                 </a:rPr>
                 <a:t>Information</a:t>
               </a:r>
-              <a:endParaRPr lang="en-US" sz="3200" dirty="0">
-                <a:solidFill>
-                  <a:schemeClr val="tx1"/>
-                </a:solidFill>
-              </a:endParaRPr>
             </a:p>
           </p:txBody>
         </p:sp>
@@ -13569,18 +13100,13 @@
             <a:p>
               <a:pPr algn="ctr"/>
               <a:r>
-                <a:rPr lang="en-US" sz="3200" dirty="0" smtClean="0">
+                <a:rPr lang="en-US" sz="3200" dirty="0">
                   <a:solidFill>
                     <a:schemeClr val="tx1"/>
                   </a:solidFill>
                 </a:rPr>
                 <a:t>Data</a:t>
               </a:r>
-              <a:endParaRPr lang="en-US" sz="3200" dirty="0">
-                <a:solidFill>
-                  <a:schemeClr val="tx1"/>
-                </a:solidFill>
-              </a:endParaRPr>
             </a:p>
           </p:txBody>
         </p:sp>
@@ -13635,7 +13161,7 @@
               <a:p>
                 <a:pPr algn="ctr"/>
                 <a:r>
-                  <a:rPr lang="en-US" sz="2400" dirty="0" smtClean="0"/>
+                  <a:rPr lang="en-US" sz="2400" dirty="0"/>
                   <a:t>representation</a:t>
                 </a:r>
               </a:p>
@@ -13681,10 +13207,9 @@
               <a:p>
                 <a:pPr algn="ctr"/>
                 <a:r>
-                  <a:rPr lang="en-US" sz="2400" dirty="0" smtClean="0"/>
+                  <a:rPr lang="en-US" sz="2400" dirty="0"/>
                   <a:t>interpretation</a:t>
                 </a:r>
-                <a:endParaRPr lang="en-US" sz="2400" dirty="0"/>
               </a:p>
             </p:txBody>
           </p:sp>
@@ -13742,7 +13267,7 @@
           <a:lstStyle/>
           <a:p>
             <a:r>
-              <a:rPr lang="en-US" sz="2400" dirty="0" smtClean="0"/>
+              <a:rPr lang="en-US" sz="2400" dirty="0"/>
               <a:t>stuff in the real world</a:t>
             </a:r>
           </a:p>
@@ -13776,7 +13301,7 @@
           <a:lstStyle/>
           <a:p>
             <a:r>
-              <a:rPr lang="en-US" sz="2400" dirty="0" smtClean="0"/>
+              <a:rPr lang="en-US" sz="2400" dirty="0"/>
               <a:t>bits in a computer</a:t>
             </a:r>
           </a:p>
@@ -13953,13 +13478,6 @@
   <p:clrMapOvr>
     <a:masterClrMapping/>
   </p:clrMapOvr>
-  <p:timing>
-    <p:tnLst>
-      <p:par>
-        <p:cTn id="1" dur="indefinite" restart="never" nodeType="tmRoot"/>
-      </p:par>
-    </p:tnLst>
-  </p:timing>
 </p:sld>
 </file>
 
